--- a/Documentation/Чернов Владимир Презентация проектной работы.pptx
+++ b/Documentation/Чернов Владимир Презентация проектной работы.pptx
@@ -79,8 +79,9 @@
             <a:noAutofit/>
           </a:bodyPr>
           <a:p>
-            <a:r>
-              <a:rPr b="0" lang="ru-RU" sz="1800" spc="-1" strike="noStrike">
+            <a:pPr algn="ctr"/>
+            <a:r>
+              <a:rPr b="0" lang="ru-RU" sz="4400" spc="-1" strike="noStrike">
                 <a:solidFill>
                   <a:srgbClr val="000000"/>
                 </a:solidFill>
@@ -88,7 +89,7 @@
               </a:rPr>
               <a:t>Для перемещения страницы щёлкните мышью</a:t>
             </a:r>
-            <a:endParaRPr b="0" lang="ru-RU" sz="1800" spc="-1" strike="noStrike">
+            <a:endParaRPr b="0" lang="ru-RU" sz="4400" spc="-1" strike="noStrike">
               <a:solidFill>
                 <a:srgbClr val="000000"/>
               </a:solidFill>
@@ -357,7 +358,7 @@
             <a:pPr indent="0" algn="r">
               <a:buNone/>
             </a:pPr>
-            <a:fld id="{FEF0CBFB-B9E3-496F-83BC-823288D94BEF}" type="slidenum">
+            <a:fld id="{03D634E4-1988-4257-9D04-C251DDACB6C8}" type="slidenum">
               <a:rPr b="0" lang="ru-RU" sz="1400" spc="-1" strike="noStrike">
                 <a:solidFill>
                   <a:srgbClr val="000000"/>
@@ -400,7 +401,7 @@
       </p:grpSpPr>
       <p:sp>
         <p:nvSpPr>
-          <p:cNvPr id="216" name="PlaceHolder 1"/>
+          <p:cNvPr id="217" name="PlaceHolder 1"/>
           <p:cNvSpPr>
             <a:spLocks noGrp="1"/>
           </p:cNvSpPr>
@@ -411,19 +412,19 @@
         <p:spPr>
           <a:xfrm>
             <a:off x="917640" y="744480"/>
-            <a:ext cx="4960440" cy="3720600"/>
-          </a:xfrm>
-          <a:prstGeom prst="rect">
-            <a:avLst/>
-          </a:prstGeom>
-          <a:ln w="0">
-            <a:noFill/>
-          </a:ln>
-        </p:spPr>
-      </p:sp>
-      <p:sp>
-        <p:nvSpPr>
-          <p:cNvPr id="217" name="PlaceHolder 2"/>
+            <a:ext cx="4960080" cy="3720240"/>
+          </a:xfrm>
+          <a:prstGeom prst="rect">
+            <a:avLst/>
+          </a:prstGeom>
+          <a:ln w="0">
+            <a:noFill/>
+          </a:ln>
+        </p:spPr>
+      </p:sp>
+      <p:sp>
+        <p:nvSpPr>
+          <p:cNvPr id="218" name="PlaceHolder 2"/>
           <p:cNvSpPr>
             <a:spLocks noGrp="1"/>
           </p:cNvSpPr>
@@ -434,7 +435,7 @@
         <p:spPr>
           <a:xfrm>
             <a:off x="679680" y="4716000"/>
-            <a:ext cx="5436720" cy="4466160"/>
+            <a:ext cx="5436360" cy="4465800"/>
           </a:xfrm>
           <a:prstGeom prst="rect">
             <a:avLst/>
@@ -463,7 +464,7 @@
       </p:sp>
       <p:sp>
         <p:nvSpPr>
-          <p:cNvPr id="218" name="PlaceHolder 3"/>
+          <p:cNvPr id="219" name="PlaceHolder 3"/>
           <p:cNvSpPr>
             <a:spLocks noGrp="1"/>
           </p:cNvSpPr>
@@ -474,7 +475,7 @@
         <p:spPr>
           <a:xfrm>
             <a:off x="3850560" y="9430200"/>
-            <a:ext cx="2944080" cy="495000"/>
+            <a:ext cx="2943720" cy="494640"/>
           </a:xfrm>
           <a:prstGeom prst="rect">
             <a:avLst/>
@@ -516,7 +517,7 @@
                 <a:tab algn="l" pos="0"/>
               </a:tabLst>
             </a:pPr>
-            <a:fld id="{33A0FD7A-3ED3-42F5-B293-AA0BDE092F6E}" type="slidenum">
+            <a:fld id="{139467AE-80BE-4659-8C38-66FDAE25E47C}" type="slidenum">
               <a:rPr b="0" lang="ru-RU" sz="1200" spc="-1" strike="noStrike">
                 <a:solidFill>
                   <a:srgbClr val="000000"/>
@@ -559,7 +560,7 @@
       </p:grpSpPr>
       <p:sp>
         <p:nvSpPr>
-          <p:cNvPr id="219" name="PlaceHolder 1"/>
+          <p:cNvPr id="220" name="PlaceHolder 1"/>
           <p:cNvSpPr>
             <a:spLocks noGrp="1"/>
           </p:cNvSpPr>
@@ -570,19 +571,19 @@
         <p:spPr>
           <a:xfrm>
             <a:off x="917640" y="744480"/>
-            <a:ext cx="4960440" cy="3720600"/>
-          </a:xfrm>
-          <a:prstGeom prst="rect">
-            <a:avLst/>
-          </a:prstGeom>
-          <a:ln w="0">
-            <a:noFill/>
-          </a:ln>
-        </p:spPr>
-      </p:sp>
-      <p:sp>
-        <p:nvSpPr>
-          <p:cNvPr id="220" name="PlaceHolder 2"/>
+            <a:ext cx="4960080" cy="3720240"/>
+          </a:xfrm>
+          <a:prstGeom prst="rect">
+            <a:avLst/>
+          </a:prstGeom>
+          <a:ln w="0">
+            <a:noFill/>
+          </a:ln>
+        </p:spPr>
+      </p:sp>
+      <p:sp>
+        <p:nvSpPr>
+          <p:cNvPr id="221" name="PlaceHolder 2"/>
           <p:cNvSpPr>
             <a:spLocks noGrp="1"/>
           </p:cNvSpPr>
@@ -593,7 +594,7 @@
         <p:spPr>
           <a:xfrm>
             <a:off x="679680" y="4716000"/>
-            <a:ext cx="5436720" cy="4466160"/>
+            <a:ext cx="5436360" cy="4465800"/>
           </a:xfrm>
           <a:prstGeom prst="rect">
             <a:avLst/>
@@ -622,7 +623,7 @@
       </p:sp>
       <p:sp>
         <p:nvSpPr>
-          <p:cNvPr id="221" name="PlaceHolder 3"/>
+          <p:cNvPr id="222" name="PlaceHolder 3"/>
           <p:cNvSpPr>
             <a:spLocks noGrp="1"/>
           </p:cNvSpPr>
@@ -633,7 +634,7 @@
         <p:spPr>
           <a:xfrm>
             <a:off x="3850560" y="9430200"/>
-            <a:ext cx="2944080" cy="495000"/>
+            <a:ext cx="2943720" cy="494640"/>
           </a:xfrm>
           <a:prstGeom prst="rect">
             <a:avLst/>
@@ -675,7 +676,7 @@
                 <a:tab algn="l" pos="0"/>
               </a:tabLst>
             </a:pPr>
-            <a:fld id="{B66952B0-A509-40E5-B80C-E444BCA7607E}" type="slidenum">
+            <a:fld id="{C2AE777F-7743-44F5-9D01-E194E25A9BC9}" type="slidenum">
               <a:rPr b="0" lang="ru-RU" sz="1200" spc="-1" strike="noStrike">
                 <a:solidFill>
                   <a:srgbClr val="000000"/>
@@ -750,7 +751,7 @@
         <p:txBody>
           <a:bodyPr/>
           <a:p>
-            <a:fld id="{B173BD42-77B7-4B43-8176-5EF890C711A1}" type="slidenum">
+            <a:fld id="{385EA5EF-22C7-48B6-B472-48A9E47C251B}" type="slidenum">
               <a:t>&lt;#&gt;</a:t>
             </a:fld>
           </a:p>
@@ -811,8 +812,8 @@
         </p:nvSpPr>
         <p:spPr>
           <a:xfrm>
-            <a:off x="457200" y="273600"/>
-            <a:ext cx="8229240" cy="1144800"/>
+            <a:off x="457200" y="221040"/>
+            <a:ext cx="8229240" cy="1250280"/>
           </a:xfrm>
           <a:prstGeom prst="rect">
             <a:avLst/>
@@ -827,10 +828,10 @@
             <a:noAutofit/>
           </a:bodyPr>
           <a:p>
-            <a:pPr indent="0">
+            <a:pPr indent="0" algn="ctr">
               <a:buNone/>
             </a:pPr>
-            <a:endParaRPr b="0" lang="ru-RU" sz="1800" spc="-1" strike="noStrike">
+            <a:endParaRPr b="0" lang="ru-RU" sz="4400" spc="-1" strike="noStrike">
               <a:solidFill>
                 <a:srgbClr val="000000"/>
               </a:solidFill>
@@ -868,15 +869,12 @@
           </a:bodyPr>
           <a:p>
             <a:pPr indent="0">
-              <a:lnSpc>
-                <a:spcPct val="90000"/>
-              </a:lnSpc>
               <a:spcBef>
                 <a:spcPts val="1417"/>
               </a:spcBef>
               <a:buNone/>
             </a:pPr>
-            <a:endParaRPr b="0" lang="ru-RU" sz="2800" spc="-1" strike="noStrike">
+            <a:endParaRPr b="0" lang="ru-RU" sz="3200" spc="-1" strike="noStrike">
               <a:solidFill>
                 <a:srgbClr val="000000"/>
               </a:solidFill>
@@ -914,15 +912,12 @@
           </a:bodyPr>
           <a:p>
             <a:pPr indent="0">
-              <a:lnSpc>
-                <a:spcPct val="90000"/>
-              </a:lnSpc>
               <a:spcBef>
                 <a:spcPts val="1417"/>
               </a:spcBef>
               <a:buNone/>
             </a:pPr>
-            <a:endParaRPr b="0" lang="ru-RU" sz="2800" spc="-1" strike="noStrike">
+            <a:endParaRPr b="0" lang="ru-RU" sz="3200" spc="-1" strike="noStrike">
               <a:solidFill>
                 <a:srgbClr val="000000"/>
               </a:solidFill>
@@ -965,7 +960,7 @@
         <p:txBody>
           <a:bodyPr/>
           <a:p>
-            <a:fld id="{7B0909B7-A03A-4D4C-AF98-9DE8FF9F6A36}" type="slidenum">
+            <a:fld id="{4B614394-BB1B-444F-8A79-A429B3F879C9}" type="slidenum">
               <a:t>&lt;#&gt;</a:t>
             </a:fld>
           </a:p>
@@ -1026,8 +1021,8 @@
         </p:nvSpPr>
         <p:spPr>
           <a:xfrm>
-            <a:off x="457200" y="273600"/>
-            <a:ext cx="8229240" cy="1144800"/>
+            <a:off x="457200" y="221040"/>
+            <a:ext cx="8229240" cy="1250280"/>
           </a:xfrm>
           <a:prstGeom prst="rect">
             <a:avLst/>
@@ -1042,10 +1037,10 @@
             <a:noAutofit/>
           </a:bodyPr>
           <a:p>
-            <a:pPr indent="0">
+            <a:pPr indent="0" algn="ctr">
               <a:buNone/>
             </a:pPr>
-            <a:endParaRPr b="0" lang="ru-RU" sz="1800" spc="-1" strike="noStrike">
+            <a:endParaRPr b="0" lang="ru-RU" sz="4400" spc="-1" strike="noStrike">
               <a:solidFill>
                 <a:srgbClr val="000000"/>
               </a:solidFill>
@@ -1083,15 +1078,12 @@
           </a:bodyPr>
           <a:p>
             <a:pPr indent="0">
-              <a:lnSpc>
-                <a:spcPct val="90000"/>
-              </a:lnSpc>
               <a:spcBef>
                 <a:spcPts val="1417"/>
               </a:spcBef>
               <a:buNone/>
             </a:pPr>
-            <a:endParaRPr b="0" lang="ru-RU" sz="2800" spc="-1" strike="noStrike">
+            <a:endParaRPr b="0" lang="ru-RU" sz="3200" spc="-1" strike="noStrike">
               <a:solidFill>
                 <a:srgbClr val="000000"/>
               </a:solidFill>
@@ -1129,15 +1121,12 @@
           </a:bodyPr>
           <a:p>
             <a:pPr indent="0">
-              <a:lnSpc>
-                <a:spcPct val="90000"/>
-              </a:lnSpc>
               <a:spcBef>
                 <a:spcPts val="1417"/>
               </a:spcBef>
               <a:buNone/>
             </a:pPr>
-            <a:endParaRPr b="0" lang="ru-RU" sz="2800" spc="-1" strike="noStrike">
+            <a:endParaRPr b="0" lang="ru-RU" sz="3200" spc="-1" strike="noStrike">
               <a:solidFill>
                 <a:srgbClr val="000000"/>
               </a:solidFill>
@@ -1175,15 +1164,12 @@
           </a:bodyPr>
           <a:p>
             <a:pPr indent="0">
-              <a:lnSpc>
-                <a:spcPct val="90000"/>
-              </a:lnSpc>
               <a:spcBef>
                 <a:spcPts val="1417"/>
               </a:spcBef>
               <a:buNone/>
             </a:pPr>
-            <a:endParaRPr b="0" lang="ru-RU" sz="2800" spc="-1" strike="noStrike">
+            <a:endParaRPr b="0" lang="ru-RU" sz="3200" spc="-1" strike="noStrike">
               <a:solidFill>
                 <a:srgbClr val="000000"/>
               </a:solidFill>
@@ -1221,15 +1207,12 @@
           </a:bodyPr>
           <a:p>
             <a:pPr indent="0">
-              <a:lnSpc>
-                <a:spcPct val="90000"/>
-              </a:lnSpc>
               <a:spcBef>
                 <a:spcPts val="1417"/>
               </a:spcBef>
               <a:buNone/>
             </a:pPr>
-            <a:endParaRPr b="0" lang="ru-RU" sz="2800" spc="-1" strike="noStrike">
+            <a:endParaRPr b="0" lang="ru-RU" sz="3200" spc="-1" strike="noStrike">
               <a:solidFill>
                 <a:srgbClr val="000000"/>
               </a:solidFill>
@@ -1272,7 +1255,7 @@
         <p:txBody>
           <a:bodyPr/>
           <a:p>
-            <a:fld id="{C5FFDCFB-E95D-428F-A1F3-8ADEB7BE4771}" type="slidenum">
+            <a:fld id="{3DF99DAE-EA80-4D7F-B7AC-9F8E8EBDEFC9}" type="slidenum">
               <a:t>&lt;#&gt;</a:t>
             </a:fld>
           </a:p>
@@ -1333,8 +1316,8 @@
         </p:nvSpPr>
         <p:spPr>
           <a:xfrm>
-            <a:off x="457200" y="273600"/>
-            <a:ext cx="8229240" cy="1144800"/>
+            <a:off x="457200" y="221040"/>
+            <a:ext cx="8229240" cy="1250280"/>
           </a:xfrm>
           <a:prstGeom prst="rect">
             <a:avLst/>
@@ -1349,10 +1332,10 @@
             <a:noAutofit/>
           </a:bodyPr>
           <a:p>
-            <a:pPr indent="0">
+            <a:pPr indent="0" algn="ctr">
               <a:buNone/>
             </a:pPr>
-            <a:endParaRPr b="0" lang="ru-RU" sz="1800" spc="-1" strike="noStrike">
+            <a:endParaRPr b="0" lang="ru-RU" sz="4400" spc="-1" strike="noStrike">
               <a:solidFill>
                 <a:srgbClr val="000000"/>
               </a:solidFill>
@@ -1386,19 +1369,16 @@
         </p:spPr>
         <p:txBody>
           <a:bodyPr lIns="0" rIns="0" tIns="0" bIns="0" anchor="t">
-            <a:normAutofit/>
+            <a:normAutofit fontScale="83000"/>
           </a:bodyPr>
           <a:p>
             <a:pPr indent="0">
-              <a:lnSpc>
-                <a:spcPct val="90000"/>
-              </a:lnSpc>
               <a:spcBef>
                 <a:spcPts val="1417"/>
               </a:spcBef>
               <a:buNone/>
             </a:pPr>
-            <a:endParaRPr b="0" lang="ru-RU" sz="2800" spc="-1" strike="noStrike">
+            <a:endParaRPr b="0" lang="ru-RU" sz="3200" spc="-1" strike="noStrike">
               <a:solidFill>
                 <a:srgbClr val="000000"/>
               </a:solidFill>
@@ -1432,19 +1412,16 @@
         </p:spPr>
         <p:txBody>
           <a:bodyPr lIns="0" rIns="0" tIns="0" bIns="0" anchor="t">
-            <a:normAutofit/>
+            <a:normAutofit fontScale="83000"/>
           </a:bodyPr>
           <a:p>
             <a:pPr indent="0">
-              <a:lnSpc>
-                <a:spcPct val="90000"/>
-              </a:lnSpc>
               <a:spcBef>
                 <a:spcPts val="1417"/>
               </a:spcBef>
               <a:buNone/>
             </a:pPr>
-            <a:endParaRPr b="0" lang="ru-RU" sz="2800" spc="-1" strike="noStrike">
+            <a:endParaRPr b="0" lang="ru-RU" sz="3200" spc="-1" strike="noStrike">
               <a:solidFill>
                 <a:srgbClr val="000000"/>
               </a:solidFill>
@@ -1478,19 +1455,16 @@
         </p:spPr>
         <p:txBody>
           <a:bodyPr lIns="0" rIns="0" tIns="0" bIns="0" anchor="t">
-            <a:normAutofit/>
+            <a:normAutofit fontScale="83000"/>
           </a:bodyPr>
           <a:p>
             <a:pPr indent="0">
-              <a:lnSpc>
-                <a:spcPct val="90000"/>
-              </a:lnSpc>
               <a:spcBef>
                 <a:spcPts val="1417"/>
               </a:spcBef>
               <a:buNone/>
             </a:pPr>
-            <a:endParaRPr b="0" lang="ru-RU" sz="2800" spc="-1" strike="noStrike">
+            <a:endParaRPr b="0" lang="ru-RU" sz="3200" spc="-1" strike="noStrike">
               <a:solidFill>
                 <a:srgbClr val="000000"/>
               </a:solidFill>
@@ -1524,19 +1498,16 @@
         </p:spPr>
         <p:txBody>
           <a:bodyPr lIns="0" rIns="0" tIns="0" bIns="0" anchor="t">
-            <a:normAutofit/>
+            <a:normAutofit fontScale="83000"/>
           </a:bodyPr>
           <a:p>
             <a:pPr indent="0">
-              <a:lnSpc>
-                <a:spcPct val="90000"/>
-              </a:lnSpc>
               <a:spcBef>
                 <a:spcPts val="1417"/>
               </a:spcBef>
               <a:buNone/>
             </a:pPr>
-            <a:endParaRPr b="0" lang="ru-RU" sz="2800" spc="-1" strike="noStrike">
+            <a:endParaRPr b="0" lang="ru-RU" sz="3200" spc="-1" strike="noStrike">
               <a:solidFill>
                 <a:srgbClr val="000000"/>
               </a:solidFill>
@@ -1570,19 +1541,16 @@
         </p:spPr>
         <p:txBody>
           <a:bodyPr lIns="0" rIns="0" tIns="0" bIns="0" anchor="t">
-            <a:normAutofit/>
+            <a:normAutofit fontScale="83000"/>
           </a:bodyPr>
           <a:p>
             <a:pPr indent="0">
-              <a:lnSpc>
-                <a:spcPct val="90000"/>
-              </a:lnSpc>
               <a:spcBef>
                 <a:spcPts val="1417"/>
               </a:spcBef>
               <a:buNone/>
             </a:pPr>
-            <a:endParaRPr b="0" lang="ru-RU" sz="2800" spc="-1" strike="noStrike">
+            <a:endParaRPr b="0" lang="ru-RU" sz="3200" spc="-1" strike="noStrike">
               <a:solidFill>
                 <a:srgbClr val="000000"/>
               </a:solidFill>
@@ -1616,19 +1584,16 @@
         </p:spPr>
         <p:txBody>
           <a:bodyPr lIns="0" rIns="0" tIns="0" bIns="0" anchor="t">
-            <a:normAutofit/>
+            <a:normAutofit fontScale="83000"/>
           </a:bodyPr>
           <a:p>
             <a:pPr indent="0">
-              <a:lnSpc>
-                <a:spcPct val="90000"/>
-              </a:lnSpc>
               <a:spcBef>
                 <a:spcPts val="1417"/>
               </a:spcBef>
               <a:buNone/>
             </a:pPr>
-            <a:endParaRPr b="0" lang="ru-RU" sz="2800" spc="-1" strike="noStrike">
+            <a:endParaRPr b="0" lang="ru-RU" sz="3200" spc="-1" strike="noStrike">
               <a:solidFill>
                 <a:srgbClr val="000000"/>
               </a:solidFill>
@@ -1671,7 +1636,7 @@
         <p:txBody>
           <a:bodyPr/>
           <a:p>
-            <a:fld id="{4AF6A82A-413B-42F7-AF96-924C46A3D7F6}" type="slidenum">
+            <a:fld id="{F3197FCE-ABB0-4415-B101-CA831C27686E}" type="slidenum">
               <a:t>&lt;#&gt;</a:t>
             </a:fld>
           </a:p>
@@ -1754,7 +1719,7 @@
         <p:txBody>
           <a:bodyPr/>
           <a:p>
-            <a:fld id="{D0794B12-A90D-4AD3-B574-A6764F9A595D}" type="slidenum">
+            <a:fld id="{DD1F48EC-5F57-46DA-8158-C533C681CF11}" type="slidenum">
               <a:t>&lt;#&gt;</a:t>
             </a:fld>
           </a:p>
@@ -1815,8 +1780,8 @@
         </p:nvSpPr>
         <p:spPr>
           <a:xfrm>
-            <a:off x="457200" y="273600"/>
-            <a:ext cx="8229240" cy="1144800"/>
+            <a:off x="457200" y="221040"/>
+            <a:ext cx="8229240" cy="1250280"/>
           </a:xfrm>
           <a:prstGeom prst="rect">
             <a:avLst/>
@@ -1831,10 +1796,10 @@
             <a:noAutofit/>
           </a:bodyPr>
           <a:p>
-            <a:pPr indent="0">
+            <a:pPr indent="0" algn="ctr">
               <a:buNone/>
             </a:pPr>
-            <a:endParaRPr b="0" lang="ru-RU" sz="1800" spc="-1" strike="noStrike">
+            <a:endParaRPr b="0" lang="ru-RU" sz="4400" spc="-1" strike="noStrike">
               <a:solidFill>
                 <a:srgbClr val="000000"/>
               </a:solidFill>
@@ -1917,7 +1882,7 @@
         <p:txBody>
           <a:bodyPr/>
           <a:p>
-            <a:fld id="{A301B947-B6DD-4AD2-B209-22715B4A6B3E}" type="slidenum">
+            <a:fld id="{7AEFE359-E4D0-453E-9DF6-06459E6CF7CB}" type="slidenum">
               <a:t>&lt;#&gt;</a:t>
             </a:fld>
           </a:p>
@@ -1978,8 +1943,8 @@
         </p:nvSpPr>
         <p:spPr>
           <a:xfrm>
-            <a:off x="457200" y="273600"/>
-            <a:ext cx="8229240" cy="1144800"/>
+            <a:off x="457200" y="221040"/>
+            <a:ext cx="8229240" cy="1250280"/>
           </a:xfrm>
           <a:prstGeom prst="rect">
             <a:avLst/>
@@ -1994,10 +1959,10 @@
             <a:noAutofit/>
           </a:bodyPr>
           <a:p>
-            <a:pPr indent="0">
+            <a:pPr indent="0" algn="ctr">
               <a:buNone/>
             </a:pPr>
-            <a:endParaRPr b="0" lang="ru-RU" sz="1800" spc="-1" strike="noStrike">
+            <a:endParaRPr b="0" lang="ru-RU" sz="4400" spc="-1" strike="noStrike">
               <a:solidFill>
                 <a:srgbClr val="000000"/>
               </a:solidFill>
@@ -2035,15 +2000,12 @@
           </a:bodyPr>
           <a:p>
             <a:pPr indent="0">
-              <a:lnSpc>
-                <a:spcPct val="90000"/>
-              </a:lnSpc>
               <a:spcBef>
                 <a:spcPts val="1417"/>
               </a:spcBef>
               <a:buNone/>
             </a:pPr>
-            <a:endParaRPr b="0" lang="ru-RU" sz="2800" spc="-1" strike="noStrike">
+            <a:endParaRPr b="0" lang="ru-RU" sz="3200" spc="-1" strike="noStrike">
               <a:solidFill>
                 <a:srgbClr val="000000"/>
               </a:solidFill>
@@ -2086,7 +2048,7 @@
         <p:txBody>
           <a:bodyPr/>
           <a:p>
-            <a:fld id="{2DBD1E50-8013-4113-A393-83D08A22E362}" type="slidenum">
+            <a:fld id="{72B98E68-624E-4BBF-8BDC-9E7C4C601D11}" type="slidenum">
               <a:t>&lt;#&gt;</a:t>
             </a:fld>
           </a:p>
@@ -2147,8 +2109,8 @@
         </p:nvSpPr>
         <p:spPr>
           <a:xfrm>
-            <a:off x="457200" y="273600"/>
-            <a:ext cx="8229240" cy="1144800"/>
+            <a:off x="457200" y="221040"/>
+            <a:ext cx="8229240" cy="1250280"/>
           </a:xfrm>
           <a:prstGeom prst="rect">
             <a:avLst/>
@@ -2163,10 +2125,10 @@
             <a:noAutofit/>
           </a:bodyPr>
           <a:p>
-            <a:pPr indent="0">
+            <a:pPr indent="0" algn="ctr">
               <a:buNone/>
             </a:pPr>
-            <a:endParaRPr b="0" lang="ru-RU" sz="1800" spc="-1" strike="noStrike">
+            <a:endParaRPr b="0" lang="ru-RU" sz="4400" spc="-1" strike="noStrike">
               <a:solidFill>
                 <a:srgbClr val="000000"/>
               </a:solidFill>
@@ -2204,15 +2166,12 @@
           </a:bodyPr>
           <a:p>
             <a:pPr indent="0">
-              <a:lnSpc>
-                <a:spcPct val="90000"/>
-              </a:lnSpc>
               <a:spcBef>
                 <a:spcPts val="1417"/>
               </a:spcBef>
               <a:buNone/>
             </a:pPr>
-            <a:endParaRPr b="0" lang="ru-RU" sz="2800" spc="-1" strike="noStrike">
+            <a:endParaRPr b="0" lang="ru-RU" sz="3200" spc="-1" strike="noStrike">
               <a:solidFill>
                 <a:srgbClr val="000000"/>
               </a:solidFill>
@@ -2250,15 +2209,12 @@
           </a:bodyPr>
           <a:p>
             <a:pPr indent="0">
-              <a:lnSpc>
-                <a:spcPct val="90000"/>
-              </a:lnSpc>
               <a:spcBef>
                 <a:spcPts val="1417"/>
               </a:spcBef>
               <a:buNone/>
             </a:pPr>
-            <a:endParaRPr b="0" lang="ru-RU" sz="2800" spc="-1" strike="noStrike">
+            <a:endParaRPr b="0" lang="ru-RU" sz="3200" spc="-1" strike="noStrike">
               <a:solidFill>
                 <a:srgbClr val="000000"/>
               </a:solidFill>
@@ -2301,7 +2257,7 @@
         <p:txBody>
           <a:bodyPr/>
           <a:p>
-            <a:fld id="{E6EB3DC9-4A3E-4493-A038-F77FEE93F7B5}" type="slidenum">
+            <a:fld id="{CA6D3E82-059F-4C66-96D5-1EF4CA0BB997}" type="slidenum">
               <a:t>&lt;#&gt;</a:t>
             </a:fld>
           </a:p>
@@ -2362,8 +2318,8 @@
         </p:nvSpPr>
         <p:spPr>
           <a:xfrm>
-            <a:off x="457200" y="273600"/>
-            <a:ext cx="8229240" cy="1144800"/>
+            <a:off x="457200" y="221040"/>
+            <a:ext cx="8229240" cy="1250280"/>
           </a:xfrm>
           <a:prstGeom prst="rect">
             <a:avLst/>
@@ -2378,10 +2334,10 @@
             <a:noAutofit/>
           </a:bodyPr>
           <a:p>
-            <a:pPr indent="0">
+            <a:pPr indent="0" algn="ctr">
               <a:buNone/>
             </a:pPr>
-            <a:endParaRPr b="0" lang="ru-RU" sz="1800" spc="-1" strike="noStrike">
+            <a:endParaRPr b="0" lang="ru-RU" sz="4400" spc="-1" strike="noStrike">
               <a:solidFill>
                 <a:srgbClr val="000000"/>
               </a:solidFill>
@@ -2424,7 +2380,7 @@
         <p:txBody>
           <a:bodyPr/>
           <a:p>
-            <a:fld id="{F8659963-6C8B-4251-A286-8A7004D43213}" type="slidenum">
+            <a:fld id="{3F104212-1F06-4B0F-A86E-0363D373D6FF}" type="slidenum">
               <a:t>&lt;#&gt;</a:t>
             </a:fld>
           </a:p>
@@ -2545,7 +2501,7 @@
         <p:txBody>
           <a:bodyPr/>
           <a:p>
-            <a:fld id="{C1D87326-B420-446F-98D0-63E25C1835A1}" type="slidenum">
+            <a:fld id="{63C2D3B6-96D3-48A9-8730-E395D701AB52}" type="slidenum">
               <a:t>&lt;#&gt;</a:t>
             </a:fld>
           </a:p>
@@ -2606,8 +2562,8 @@
         </p:nvSpPr>
         <p:spPr>
           <a:xfrm>
-            <a:off x="457200" y="273600"/>
-            <a:ext cx="8229240" cy="1144800"/>
+            <a:off x="457200" y="221040"/>
+            <a:ext cx="8229240" cy="1250280"/>
           </a:xfrm>
           <a:prstGeom prst="rect">
             <a:avLst/>
@@ -2622,10 +2578,10 @@
             <a:noAutofit/>
           </a:bodyPr>
           <a:p>
-            <a:pPr indent="0">
+            <a:pPr indent="0" algn="ctr">
               <a:buNone/>
             </a:pPr>
-            <a:endParaRPr b="0" lang="ru-RU" sz="1800" spc="-1" strike="noStrike">
+            <a:endParaRPr b="0" lang="ru-RU" sz="4400" spc="-1" strike="noStrike">
               <a:solidFill>
                 <a:srgbClr val="000000"/>
               </a:solidFill>
@@ -2663,15 +2619,12 @@
           </a:bodyPr>
           <a:p>
             <a:pPr indent="0">
-              <a:lnSpc>
-                <a:spcPct val="90000"/>
-              </a:lnSpc>
               <a:spcBef>
                 <a:spcPts val="1417"/>
               </a:spcBef>
               <a:buNone/>
             </a:pPr>
-            <a:endParaRPr b="0" lang="ru-RU" sz="2800" spc="-1" strike="noStrike">
+            <a:endParaRPr b="0" lang="ru-RU" sz="3200" spc="-1" strike="noStrike">
               <a:solidFill>
                 <a:srgbClr val="000000"/>
               </a:solidFill>
@@ -2709,15 +2662,12 @@
           </a:bodyPr>
           <a:p>
             <a:pPr indent="0">
-              <a:lnSpc>
-                <a:spcPct val="90000"/>
-              </a:lnSpc>
               <a:spcBef>
                 <a:spcPts val="1417"/>
               </a:spcBef>
               <a:buNone/>
             </a:pPr>
-            <a:endParaRPr b="0" lang="ru-RU" sz="2800" spc="-1" strike="noStrike">
+            <a:endParaRPr b="0" lang="ru-RU" sz="3200" spc="-1" strike="noStrike">
               <a:solidFill>
                 <a:srgbClr val="000000"/>
               </a:solidFill>
@@ -2755,15 +2705,12 @@
           </a:bodyPr>
           <a:p>
             <a:pPr indent="0">
-              <a:lnSpc>
-                <a:spcPct val="90000"/>
-              </a:lnSpc>
               <a:spcBef>
                 <a:spcPts val="1417"/>
               </a:spcBef>
               <a:buNone/>
             </a:pPr>
-            <a:endParaRPr b="0" lang="ru-RU" sz="2800" spc="-1" strike="noStrike">
+            <a:endParaRPr b="0" lang="ru-RU" sz="3200" spc="-1" strike="noStrike">
               <a:solidFill>
                 <a:srgbClr val="000000"/>
               </a:solidFill>
@@ -2806,7 +2753,7 @@
         <p:txBody>
           <a:bodyPr/>
           <a:p>
-            <a:fld id="{48F7E0DF-047F-46CD-8261-7138BB0E3AC3}" type="slidenum">
+            <a:fld id="{296D1329-1C02-485B-95FE-65C496D0D09E}" type="slidenum">
               <a:t>&lt;#&gt;</a:t>
             </a:fld>
           </a:p>
@@ -2867,8 +2814,8 @@
         </p:nvSpPr>
         <p:spPr>
           <a:xfrm>
-            <a:off x="457200" y="273600"/>
-            <a:ext cx="8229240" cy="1144800"/>
+            <a:off x="457200" y="221040"/>
+            <a:ext cx="8229240" cy="1250280"/>
           </a:xfrm>
           <a:prstGeom prst="rect">
             <a:avLst/>
@@ -2883,10 +2830,10 @@
             <a:noAutofit/>
           </a:bodyPr>
           <a:p>
-            <a:pPr indent="0">
+            <a:pPr indent="0" algn="ctr">
               <a:buNone/>
             </a:pPr>
-            <a:endParaRPr b="0" lang="ru-RU" sz="1800" spc="-1" strike="noStrike">
+            <a:endParaRPr b="0" lang="ru-RU" sz="4400" spc="-1" strike="noStrike">
               <a:solidFill>
                 <a:srgbClr val="000000"/>
               </a:solidFill>
@@ -2969,7 +2916,7 @@
         <p:txBody>
           <a:bodyPr/>
           <a:p>
-            <a:fld id="{0B526795-6F5E-41AA-A97C-0FF19A396985}" type="slidenum">
+            <a:fld id="{3F597379-4184-40E1-871C-A175ECC54213}" type="slidenum">
               <a:t>&lt;#&gt;</a:t>
             </a:fld>
           </a:p>
@@ -3030,8 +2977,8 @@
         </p:nvSpPr>
         <p:spPr>
           <a:xfrm>
-            <a:off x="457200" y="273600"/>
-            <a:ext cx="8229240" cy="1144800"/>
+            <a:off x="457200" y="221040"/>
+            <a:ext cx="8229240" cy="1250280"/>
           </a:xfrm>
           <a:prstGeom prst="rect">
             <a:avLst/>
@@ -3046,10 +2993,10 @@
             <a:noAutofit/>
           </a:bodyPr>
           <a:p>
-            <a:pPr indent="0">
+            <a:pPr indent="0" algn="ctr">
               <a:buNone/>
             </a:pPr>
-            <a:endParaRPr b="0" lang="ru-RU" sz="1800" spc="-1" strike="noStrike">
+            <a:endParaRPr b="0" lang="ru-RU" sz="4400" spc="-1" strike="noStrike">
               <a:solidFill>
                 <a:srgbClr val="000000"/>
               </a:solidFill>
@@ -3087,15 +3034,12 @@
           </a:bodyPr>
           <a:p>
             <a:pPr indent="0">
-              <a:lnSpc>
-                <a:spcPct val="90000"/>
-              </a:lnSpc>
               <a:spcBef>
                 <a:spcPts val="1417"/>
               </a:spcBef>
               <a:buNone/>
             </a:pPr>
-            <a:endParaRPr b="0" lang="ru-RU" sz="2800" spc="-1" strike="noStrike">
+            <a:endParaRPr b="0" lang="ru-RU" sz="3200" spc="-1" strike="noStrike">
               <a:solidFill>
                 <a:srgbClr val="000000"/>
               </a:solidFill>
@@ -3133,15 +3077,12 @@
           </a:bodyPr>
           <a:p>
             <a:pPr indent="0">
-              <a:lnSpc>
-                <a:spcPct val="90000"/>
-              </a:lnSpc>
               <a:spcBef>
                 <a:spcPts val="1417"/>
               </a:spcBef>
               <a:buNone/>
             </a:pPr>
-            <a:endParaRPr b="0" lang="ru-RU" sz="2800" spc="-1" strike="noStrike">
+            <a:endParaRPr b="0" lang="ru-RU" sz="3200" spc="-1" strike="noStrike">
               <a:solidFill>
                 <a:srgbClr val="000000"/>
               </a:solidFill>
@@ -3179,15 +3120,12 @@
           </a:bodyPr>
           <a:p>
             <a:pPr indent="0">
-              <a:lnSpc>
-                <a:spcPct val="90000"/>
-              </a:lnSpc>
               <a:spcBef>
                 <a:spcPts val="1417"/>
               </a:spcBef>
               <a:buNone/>
             </a:pPr>
-            <a:endParaRPr b="0" lang="ru-RU" sz="2800" spc="-1" strike="noStrike">
+            <a:endParaRPr b="0" lang="ru-RU" sz="3200" spc="-1" strike="noStrike">
               <a:solidFill>
                 <a:srgbClr val="000000"/>
               </a:solidFill>
@@ -3230,7 +3168,7 @@
         <p:txBody>
           <a:bodyPr/>
           <a:p>
-            <a:fld id="{EF65C827-C5D5-471F-BA2C-829FBF531E72}" type="slidenum">
+            <a:fld id="{46E22DCA-0039-40B0-932F-BA4445B960EF}" type="slidenum">
               <a:t>&lt;#&gt;</a:t>
             </a:fld>
           </a:p>
@@ -3291,8 +3229,8 @@
         </p:nvSpPr>
         <p:spPr>
           <a:xfrm>
-            <a:off x="457200" y="273600"/>
-            <a:ext cx="8229240" cy="1144800"/>
+            <a:off x="457200" y="221040"/>
+            <a:ext cx="8229240" cy="1250280"/>
           </a:xfrm>
           <a:prstGeom prst="rect">
             <a:avLst/>
@@ -3307,10 +3245,10 @@
             <a:noAutofit/>
           </a:bodyPr>
           <a:p>
-            <a:pPr indent="0">
+            <a:pPr indent="0" algn="ctr">
               <a:buNone/>
             </a:pPr>
-            <a:endParaRPr b="0" lang="ru-RU" sz="1800" spc="-1" strike="noStrike">
+            <a:endParaRPr b="0" lang="ru-RU" sz="4400" spc="-1" strike="noStrike">
               <a:solidFill>
                 <a:srgbClr val="000000"/>
               </a:solidFill>
@@ -3348,15 +3286,12 @@
           </a:bodyPr>
           <a:p>
             <a:pPr indent="0">
-              <a:lnSpc>
-                <a:spcPct val="90000"/>
-              </a:lnSpc>
               <a:spcBef>
                 <a:spcPts val="1417"/>
               </a:spcBef>
               <a:buNone/>
             </a:pPr>
-            <a:endParaRPr b="0" lang="ru-RU" sz="2800" spc="-1" strike="noStrike">
+            <a:endParaRPr b="0" lang="ru-RU" sz="3200" spc="-1" strike="noStrike">
               <a:solidFill>
                 <a:srgbClr val="000000"/>
               </a:solidFill>
@@ -3394,15 +3329,12 @@
           </a:bodyPr>
           <a:p>
             <a:pPr indent="0">
-              <a:lnSpc>
-                <a:spcPct val="90000"/>
-              </a:lnSpc>
               <a:spcBef>
                 <a:spcPts val="1417"/>
               </a:spcBef>
               <a:buNone/>
             </a:pPr>
-            <a:endParaRPr b="0" lang="ru-RU" sz="2800" spc="-1" strike="noStrike">
+            <a:endParaRPr b="0" lang="ru-RU" sz="3200" spc="-1" strike="noStrike">
               <a:solidFill>
                 <a:srgbClr val="000000"/>
               </a:solidFill>
@@ -3440,15 +3372,12 @@
           </a:bodyPr>
           <a:p>
             <a:pPr indent="0">
-              <a:lnSpc>
-                <a:spcPct val="90000"/>
-              </a:lnSpc>
               <a:spcBef>
                 <a:spcPts val="1417"/>
               </a:spcBef>
               <a:buNone/>
             </a:pPr>
-            <a:endParaRPr b="0" lang="ru-RU" sz="2800" spc="-1" strike="noStrike">
+            <a:endParaRPr b="0" lang="ru-RU" sz="3200" spc="-1" strike="noStrike">
               <a:solidFill>
                 <a:srgbClr val="000000"/>
               </a:solidFill>
@@ -3491,7 +3420,7 @@
         <p:txBody>
           <a:bodyPr/>
           <a:p>
-            <a:fld id="{C8C77CB2-50C9-4491-AB7D-ED5FA84F1A30}" type="slidenum">
+            <a:fld id="{01039F88-4427-47B8-B5A1-FA5C02262095}" type="slidenum">
               <a:t>&lt;#&gt;</a:t>
             </a:fld>
           </a:p>
@@ -3552,8 +3481,8 @@
         </p:nvSpPr>
         <p:spPr>
           <a:xfrm>
-            <a:off x="457200" y="273600"/>
-            <a:ext cx="8229240" cy="1144800"/>
+            <a:off x="457200" y="221040"/>
+            <a:ext cx="8229240" cy="1250280"/>
           </a:xfrm>
           <a:prstGeom prst="rect">
             <a:avLst/>
@@ -3568,10 +3497,10 @@
             <a:noAutofit/>
           </a:bodyPr>
           <a:p>
-            <a:pPr indent="0">
+            <a:pPr indent="0" algn="ctr">
               <a:buNone/>
             </a:pPr>
-            <a:endParaRPr b="0" lang="ru-RU" sz="1800" spc="-1" strike="noStrike">
+            <a:endParaRPr b="0" lang="ru-RU" sz="4400" spc="-1" strike="noStrike">
               <a:solidFill>
                 <a:srgbClr val="000000"/>
               </a:solidFill>
@@ -3609,15 +3538,12 @@
           </a:bodyPr>
           <a:p>
             <a:pPr indent="0">
-              <a:lnSpc>
-                <a:spcPct val="90000"/>
-              </a:lnSpc>
               <a:spcBef>
                 <a:spcPts val="1417"/>
               </a:spcBef>
               <a:buNone/>
             </a:pPr>
-            <a:endParaRPr b="0" lang="ru-RU" sz="2800" spc="-1" strike="noStrike">
+            <a:endParaRPr b="0" lang="ru-RU" sz="3200" spc="-1" strike="noStrike">
               <a:solidFill>
                 <a:srgbClr val="000000"/>
               </a:solidFill>
@@ -3655,15 +3581,12 @@
           </a:bodyPr>
           <a:p>
             <a:pPr indent="0">
-              <a:lnSpc>
-                <a:spcPct val="90000"/>
-              </a:lnSpc>
               <a:spcBef>
                 <a:spcPts val="1417"/>
               </a:spcBef>
               <a:buNone/>
             </a:pPr>
-            <a:endParaRPr b="0" lang="ru-RU" sz="2800" spc="-1" strike="noStrike">
+            <a:endParaRPr b="0" lang="ru-RU" sz="3200" spc="-1" strike="noStrike">
               <a:solidFill>
                 <a:srgbClr val="000000"/>
               </a:solidFill>
@@ -3706,7 +3629,7 @@
         <p:txBody>
           <a:bodyPr/>
           <a:p>
-            <a:fld id="{2009096E-9194-4306-BB73-49691C78FF11}" type="slidenum">
+            <a:fld id="{F18E3A15-EC25-43FB-8F7E-30EC32DD3720}" type="slidenum">
               <a:t>&lt;#&gt;</a:t>
             </a:fld>
           </a:p>
@@ -3767,8 +3690,8 @@
         </p:nvSpPr>
         <p:spPr>
           <a:xfrm>
-            <a:off x="457200" y="273600"/>
-            <a:ext cx="8229240" cy="1144800"/>
+            <a:off x="457200" y="221040"/>
+            <a:ext cx="8229240" cy="1250280"/>
           </a:xfrm>
           <a:prstGeom prst="rect">
             <a:avLst/>
@@ -3783,10 +3706,10 @@
             <a:noAutofit/>
           </a:bodyPr>
           <a:p>
-            <a:pPr indent="0">
+            <a:pPr indent="0" algn="ctr">
               <a:buNone/>
             </a:pPr>
-            <a:endParaRPr b="0" lang="ru-RU" sz="1800" spc="-1" strike="noStrike">
+            <a:endParaRPr b="0" lang="ru-RU" sz="4400" spc="-1" strike="noStrike">
               <a:solidFill>
                 <a:srgbClr val="000000"/>
               </a:solidFill>
@@ -3824,15 +3747,12 @@
           </a:bodyPr>
           <a:p>
             <a:pPr indent="0">
-              <a:lnSpc>
-                <a:spcPct val="90000"/>
-              </a:lnSpc>
               <a:spcBef>
                 <a:spcPts val="1417"/>
               </a:spcBef>
               <a:buNone/>
             </a:pPr>
-            <a:endParaRPr b="0" lang="ru-RU" sz="2800" spc="-1" strike="noStrike">
+            <a:endParaRPr b="0" lang="ru-RU" sz="3200" spc="-1" strike="noStrike">
               <a:solidFill>
                 <a:srgbClr val="000000"/>
               </a:solidFill>
@@ -3870,15 +3790,12 @@
           </a:bodyPr>
           <a:p>
             <a:pPr indent="0">
-              <a:lnSpc>
-                <a:spcPct val="90000"/>
-              </a:lnSpc>
               <a:spcBef>
                 <a:spcPts val="1417"/>
               </a:spcBef>
               <a:buNone/>
             </a:pPr>
-            <a:endParaRPr b="0" lang="ru-RU" sz="2800" spc="-1" strike="noStrike">
+            <a:endParaRPr b="0" lang="ru-RU" sz="3200" spc="-1" strike="noStrike">
               <a:solidFill>
                 <a:srgbClr val="000000"/>
               </a:solidFill>
@@ -3916,15 +3833,12 @@
           </a:bodyPr>
           <a:p>
             <a:pPr indent="0">
-              <a:lnSpc>
-                <a:spcPct val="90000"/>
-              </a:lnSpc>
               <a:spcBef>
                 <a:spcPts val="1417"/>
               </a:spcBef>
               <a:buNone/>
             </a:pPr>
-            <a:endParaRPr b="0" lang="ru-RU" sz="2800" spc="-1" strike="noStrike">
+            <a:endParaRPr b="0" lang="ru-RU" sz="3200" spc="-1" strike="noStrike">
               <a:solidFill>
                 <a:srgbClr val="000000"/>
               </a:solidFill>
@@ -3962,15 +3876,12 @@
           </a:bodyPr>
           <a:p>
             <a:pPr indent="0">
-              <a:lnSpc>
-                <a:spcPct val="90000"/>
-              </a:lnSpc>
               <a:spcBef>
                 <a:spcPts val="1417"/>
               </a:spcBef>
               <a:buNone/>
             </a:pPr>
-            <a:endParaRPr b="0" lang="ru-RU" sz="2800" spc="-1" strike="noStrike">
+            <a:endParaRPr b="0" lang="ru-RU" sz="3200" spc="-1" strike="noStrike">
               <a:solidFill>
                 <a:srgbClr val="000000"/>
               </a:solidFill>
@@ -4013,7 +3924,7 @@
         <p:txBody>
           <a:bodyPr/>
           <a:p>
-            <a:fld id="{D8A5AB48-AD81-4FFD-BF4D-FD44F3647626}" type="slidenum">
+            <a:fld id="{22C77678-6FB5-4367-B21D-04159E7B89E9}" type="slidenum">
               <a:t>&lt;#&gt;</a:t>
             </a:fld>
           </a:p>
@@ -4074,8 +3985,8 @@
         </p:nvSpPr>
         <p:spPr>
           <a:xfrm>
-            <a:off x="457200" y="273600"/>
-            <a:ext cx="8229240" cy="1144800"/>
+            <a:off x="457200" y="221040"/>
+            <a:ext cx="8229240" cy="1250280"/>
           </a:xfrm>
           <a:prstGeom prst="rect">
             <a:avLst/>
@@ -4090,10 +4001,10 @@
             <a:noAutofit/>
           </a:bodyPr>
           <a:p>
-            <a:pPr indent="0">
+            <a:pPr indent="0" algn="ctr">
               <a:buNone/>
             </a:pPr>
-            <a:endParaRPr b="0" lang="ru-RU" sz="1800" spc="-1" strike="noStrike">
+            <a:endParaRPr b="0" lang="ru-RU" sz="4400" spc="-1" strike="noStrike">
               <a:solidFill>
                 <a:srgbClr val="000000"/>
               </a:solidFill>
@@ -4127,19 +4038,16 @@
         </p:spPr>
         <p:txBody>
           <a:bodyPr lIns="0" rIns="0" tIns="0" bIns="0" anchor="t">
-            <a:normAutofit/>
+            <a:normAutofit fontScale="83000"/>
           </a:bodyPr>
           <a:p>
             <a:pPr indent="0">
-              <a:lnSpc>
-                <a:spcPct val="90000"/>
-              </a:lnSpc>
               <a:spcBef>
                 <a:spcPts val="1417"/>
               </a:spcBef>
               <a:buNone/>
             </a:pPr>
-            <a:endParaRPr b="0" lang="ru-RU" sz="2800" spc="-1" strike="noStrike">
+            <a:endParaRPr b="0" lang="ru-RU" sz="3200" spc="-1" strike="noStrike">
               <a:solidFill>
                 <a:srgbClr val="000000"/>
               </a:solidFill>
@@ -4173,19 +4081,16 @@
         </p:spPr>
         <p:txBody>
           <a:bodyPr lIns="0" rIns="0" tIns="0" bIns="0" anchor="t">
-            <a:normAutofit/>
+            <a:normAutofit fontScale="83000"/>
           </a:bodyPr>
           <a:p>
             <a:pPr indent="0">
-              <a:lnSpc>
-                <a:spcPct val="90000"/>
-              </a:lnSpc>
               <a:spcBef>
                 <a:spcPts val="1417"/>
               </a:spcBef>
               <a:buNone/>
             </a:pPr>
-            <a:endParaRPr b="0" lang="ru-RU" sz="2800" spc="-1" strike="noStrike">
+            <a:endParaRPr b="0" lang="ru-RU" sz="3200" spc="-1" strike="noStrike">
               <a:solidFill>
                 <a:srgbClr val="000000"/>
               </a:solidFill>
@@ -4219,19 +4124,16 @@
         </p:spPr>
         <p:txBody>
           <a:bodyPr lIns="0" rIns="0" tIns="0" bIns="0" anchor="t">
-            <a:normAutofit/>
+            <a:normAutofit fontScale="83000"/>
           </a:bodyPr>
           <a:p>
             <a:pPr indent="0">
-              <a:lnSpc>
-                <a:spcPct val="90000"/>
-              </a:lnSpc>
               <a:spcBef>
                 <a:spcPts val="1417"/>
               </a:spcBef>
               <a:buNone/>
             </a:pPr>
-            <a:endParaRPr b="0" lang="ru-RU" sz="2800" spc="-1" strike="noStrike">
+            <a:endParaRPr b="0" lang="ru-RU" sz="3200" spc="-1" strike="noStrike">
               <a:solidFill>
                 <a:srgbClr val="000000"/>
               </a:solidFill>
@@ -4265,19 +4167,16 @@
         </p:spPr>
         <p:txBody>
           <a:bodyPr lIns="0" rIns="0" tIns="0" bIns="0" anchor="t">
-            <a:normAutofit/>
+            <a:normAutofit fontScale="83000"/>
           </a:bodyPr>
           <a:p>
             <a:pPr indent="0">
-              <a:lnSpc>
-                <a:spcPct val="90000"/>
-              </a:lnSpc>
               <a:spcBef>
                 <a:spcPts val="1417"/>
               </a:spcBef>
               <a:buNone/>
             </a:pPr>
-            <a:endParaRPr b="0" lang="ru-RU" sz="2800" spc="-1" strike="noStrike">
+            <a:endParaRPr b="0" lang="ru-RU" sz="3200" spc="-1" strike="noStrike">
               <a:solidFill>
                 <a:srgbClr val="000000"/>
               </a:solidFill>
@@ -4311,19 +4210,16 @@
         </p:spPr>
         <p:txBody>
           <a:bodyPr lIns="0" rIns="0" tIns="0" bIns="0" anchor="t">
-            <a:normAutofit/>
+            <a:normAutofit fontScale="83000"/>
           </a:bodyPr>
           <a:p>
             <a:pPr indent="0">
-              <a:lnSpc>
-                <a:spcPct val="90000"/>
-              </a:lnSpc>
               <a:spcBef>
                 <a:spcPts val="1417"/>
               </a:spcBef>
               <a:buNone/>
             </a:pPr>
-            <a:endParaRPr b="0" lang="ru-RU" sz="2800" spc="-1" strike="noStrike">
+            <a:endParaRPr b="0" lang="ru-RU" sz="3200" spc="-1" strike="noStrike">
               <a:solidFill>
                 <a:srgbClr val="000000"/>
               </a:solidFill>
@@ -4357,19 +4253,16 @@
         </p:spPr>
         <p:txBody>
           <a:bodyPr lIns="0" rIns="0" tIns="0" bIns="0" anchor="t">
-            <a:normAutofit/>
+            <a:normAutofit fontScale="83000"/>
           </a:bodyPr>
           <a:p>
             <a:pPr indent="0">
-              <a:lnSpc>
-                <a:spcPct val="90000"/>
-              </a:lnSpc>
               <a:spcBef>
                 <a:spcPts val="1417"/>
               </a:spcBef>
               <a:buNone/>
             </a:pPr>
-            <a:endParaRPr b="0" lang="ru-RU" sz="2800" spc="-1" strike="noStrike">
+            <a:endParaRPr b="0" lang="ru-RU" sz="3200" spc="-1" strike="noStrike">
               <a:solidFill>
                 <a:srgbClr val="000000"/>
               </a:solidFill>
@@ -4412,7 +4305,7 @@
         <p:txBody>
           <a:bodyPr/>
           <a:p>
-            <a:fld id="{29B087DD-29D2-4853-B660-DFBD423CD274}" type="slidenum">
+            <a:fld id="{7BB42D73-2F07-4787-B0A4-6858806A2358}" type="slidenum">
               <a:t>&lt;#&gt;</a:t>
             </a:fld>
           </a:p>
@@ -4495,7 +4388,7 @@
         <p:txBody>
           <a:bodyPr/>
           <a:p>
-            <a:fld id="{5DB857C1-9D55-4640-A8D3-8BA4C14C69C0}" type="slidenum">
+            <a:fld id="{32E8B77A-9EB2-4385-BD15-B98B7259ABCC}" type="slidenum">
               <a:t>&lt;#&gt;</a:t>
             </a:fld>
           </a:p>
@@ -4556,8 +4449,8 @@
         </p:nvSpPr>
         <p:spPr>
           <a:xfrm>
-            <a:off x="457200" y="273600"/>
-            <a:ext cx="8229240" cy="1144800"/>
+            <a:off x="457200" y="221040"/>
+            <a:ext cx="8229240" cy="1250280"/>
           </a:xfrm>
           <a:prstGeom prst="rect">
             <a:avLst/>
@@ -4572,10 +4465,10 @@
             <a:noAutofit/>
           </a:bodyPr>
           <a:p>
-            <a:pPr indent="0">
+            <a:pPr indent="0" algn="ctr">
               <a:buNone/>
             </a:pPr>
-            <a:endParaRPr b="0" lang="ru-RU" sz="1800" spc="-1" strike="noStrike">
+            <a:endParaRPr b="0" lang="ru-RU" sz="4400" spc="-1" strike="noStrike">
               <a:solidFill>
                 <a:srgbClr val="000000"/>
               </a:solidFill>
@@ -4658,7 +4551,7 @@
         <p:txBody>
           <a:bodyPr/>
           <a:p>
-            <a:fld id="{A1E7000F-BFC1-458A-B0A3-EC3905C3A3DF}" type="slidenum">
+            <a:fld id="{B700F1A1-CA80-4D7F-BDD5-F42BD9CB0534}" type="slidenum">
               <a:t>&lt;#&gt;</a:t>
             </a:fld>
           </a:p>
@@ -4719,8 +4612,8 @@
         </p:nvSpPr>
         <p:spPr>
           <a:xfrm>
-            <a:off x="457200" y="273600"/>
-            <a:ext cx="8229240" cy="1144800"/>
+            <a:off x="457200" y="221040"/>
+            <a:ext cx="8229240" cy="1250280"/>
           </a:xfrm>
           <a:prstGeom prst="rect">
             <a:avLst/>
@@ -4735,10 +4628,10 @@
             <a:noAutofit/>
           </a:bodyPr>
           <a:p>
-            <a:pPr indent="0">
+            <a:pPr indent="0" algn="ctr">
               <a:buNone/>
             </a:pPr>
-            <a:endParaRPr b="0" lang="ru-RU" sz="1800" spc="-1" strike="noStrike">
+            <a:endParaRPr b="0" lang="ru-RU" sz="4400" spc="-1" strike="noStrike">
               <a:solidFill>
                 <a:srgbClr val="000000"/>
               </a:solidFill>
@@ -4776,15 +4669,12 @@
           </a:bodyPr>
           <a:p>
             <a:pPr indent="0">
-              <a:lnSpc>
-                <a:spcPct val="90000"/>
-              </a:lnSpc>
               <a:spcBef>
                 <a:spcPts val="1417"/>
               </a:spcBef>
               <a:buNone/>
             </a:pPr>
-            <a:endParaRPr b="0" lang="ru-RU" sz="2800" spc="-1" strike="noStrike">
+            <a:endParaRPr b="0" lang="ru-RU" sz="3200" spc="-1" strike="noStrike">
               <a:solidFill>
                 <a:srgbClr val="000000"/>
               </a:solidFill>
@@ -4827,7 +4717,7 @@
         <p:txBody>
           <a:bodyPr/>
           <a:p>
-            <a:fld id="{05F4E582-0CF6-49A7-9ACA-BFF7A1B5BB1E}" type="slidenum">
+            <a:fld id="{3422B303-1EA5-48B5-B3BD-73AB7BA729DC}" type="slidenum">
               <a:t>&lt;#&gt;</a:t>
             </a:fld>
           </a:p>
@@ -4888,8 +4778,8 @@
         </p:nvSpPr>
         <p:spPr>
           <a:xfrm>
-            <a:off x="457200" y="273600"/>
-            <a:ext cx="8229240" cy="1144800"/>
+            <a:off x="457200" y="221040"/>
+            <a:ext cx="8229240" cy="1250280"/>
           </a:xfrm>
           <a:prstGeom prst="rect">
             <a:avLst/>
@@ -4904,10 +4794,10 @@
             <a:noAutofit/>
           </a:bodyPr>
           <a:p>
-            <a:pPr indent="0">
+            <a:pPr indent="0" algn="ctr">
               <a:buNone/>
             </a:pPr>
-            <a:endParaRPr b="0" lang="ru-RU" sz="1800" spc="-1" strike="noStrike">
+            <a:endParaRPr b="0" lang="ru-RU" sz="4400" spc="-1" strike="noStrike">
               <a:solidFill>
                 <a:srgbClr val="000000"/>
               </a:solidFill>
@@ -4945,15 +4835,12 @@
           </a:bodyPr>
           <a:p>
             <a:pPr indent="0">
-              <a:lnSpc>
-                <a:spcPct val="90000"/>
-              </a:lnSpc>
               <a:spcBef>
                 <a:spcPts val="1417"/>
               </a:spcBef>
               <a:buNone/>
             </a:pPr>
-            <a:endParaRPr b="0" lang="ru-RU" sz="2800" spc="-1" strike="noStrike">
+            <a:endParaRPr b="0" lang="ru-RU" sz="3200" spc="-1" strike="noStrike">
               <a:solidFill>
                 <a:srgbClr val="000000"/>
               </a:solidFill>
@@ -4991,15 +4878,12 @@
           </a:bodyPr>
           <a:p>
             <a:pPr indent="0">
-              <a:lnSpc>
-                <a:spcPct val="90000"/>
-              </a:lnSpc>
               <a:spcBef>
                 <a:spcPts val="1417"/>
               </a:spcBef>
               <a:buNone/>
             </a:pPr>
-            <a:endParaRPr b="0" lang="ru-RU" sz="2800" spc="-1" strike="noStrike">
+            <a:endParaRPr b="0" lang="ru-RU" sz="3200" spc="-1" strike="noStrike">
               <a:solidFill>
                 <a:srgbClr val="000000"/>
               </a:solidFill>
@@ -5042,7 +4926,7 @@
         <p:txBody>
           <a:bodyPr/>
           <a:p>
-            <a:fld id="{F3FECBC6-8FE1-4856-A526-92BF4B2B0655}" type="slidenum">
+            <a:fld id="{9915C11F-A748-40E2-B433-0D90B36D6BDC}" type="slidenum">
               <a:t>&lt;#&gt;</a:t>
             </a:fld>
           </a:p>
@@ -5103,8 +4987,8 @@
         </p:nvSpPr>
         <p:spPr>
           <a:xfrm>
-            <a:off x="457200" y="273600"/>
-            <a:ext cx="8229240" cy="1144800"/>
+            <a:off x="457200" y="221040"/>
+            <a:ext cx="8229240" cy="1250280"/>
           </a:xfrm>
           <a:prstGeom prst="rect">
             <a:avLst/>
@@ -5119,10 +5003,10 @@
             <a:noAutofit/>
           </a:bodyPr>
           <a:p>
-            <a:pPr indent="0">
+            <a:pPr indent="0" algn="ctr">
               <a:buNone/>
             </a:pPr>
-            <a:endParaRPr b="0" lang="ru-RU" sz="1800" spc="-1" strike="noStrike">
+            <a:endParaRPr b="0" lang="ru-RU" sz="4400" spc="-1" strike="noStrike">
               <a:solidFill>
                 <a:srgbClr val="000000"/>
               </a:solidFill>
@@ -5165,7 +5049,7 @@
         <p:txBody>
           <a:bodyPr/>
           <a:p>
-            <a:fld id="{933A6DA7-424E-4E6B-AD71-8D5D83961E55}" type="slidenum">
+            <a:fld id="{2295C24C-8BEA-4476-9DCB-D10F490B0AF8}" type="slidenum">
               <a:t>&lt;#&gt;</a:t>
             </a:fld>
           </a:p>
@@ -5226,8 +5110,8 @@
         </p:nvSpPr>
         <p:spPr>
           <a:xfrm>
-            <a:off x="457200" y="273600"/>
-            <a:ext cx="8229240" cy="1144800"/>
+            <a:off x="457200" y="221040"/>
+            <a:ext cx="8229240" cy="1250280"/>
           </a:xfrm>
           <a:prstGeom prst="rect">
             <a:avLst/>
@@ -5242,10 +5126,10 @@
             <a:noAutofit/>
           </a:bodyPr>
           <a:p>
-            <a:pPr indent="0">
+            <a:pPr indent="0" algn="ctr">
               <a:buNone/>
             </a:pPr>
-            <a:endParaRPr b="0" lang="ru-RU" sz="1800" spc="-1" strike="noStrike">
+            <a:endParaRPr b="0" lang="ru-RU" sz="4400" spc="-1" strike="noStrike">
               <a:solidFill>
                 <a:srgbClr val="000000"/>
               </a:solidFill>
@@ -5283,15 +5167,12 @@
           </a:bodyPr>
           <a:p>
             <a:pPr indent="0">
-              <a:lnSpc>
-                <a:spcPct val="90000"/>
-              </a:lnSpc>
               <a:spcBef>
                 <a:spcPts val="1417"/>
               </a:spcBef>
               <a:buNone/>
             </a:pPr>
-            <a:endParaRPr b="0" lang="ru-RU" sz="2800" spc="-1" strike="noStrike">
+            <a:endParaRPr b="0" lang="ru-RU" sz="3200" spc="-1" strike="noStrike">
               <a:solidFill>
                 <a:srgbClr val="000000"/>
               </a:solidFill>
@@ -5334,7 +5215,7 @@
         <p:txBody>
           <a:bodyPr/>
           <a:p>
-            <a:fld id="{45C1C5B4-50FC-4F92-8FDA-137E3392E0EE}" type="slidenum">
+            <a:fld id="{1AB4D811-9EB7-4F3B-BF8B-97C1E73EF163}" type="slidenum">
               <a:t>&lt;#&gt;</a:t>
             </a:fld>
           </a:p>
@@ -5455,7 +5336,7 @@
         <p:txBody>
           <a:bodyPr/>
           <a:p>
-            <a:fld id="{78C3C93D-B757-4C4A-926B-CDB16EF4D153}" type="slidenum">
+            <a:fld id="{1A118B08-D4E0-448F-BB59-1CB674E4B4AC}" type="slidenum">
               <a:t>&lt;#&gt;</a:t>
             </a:fld>
           </a:p>
@@ -5516,8 +5397,8 @@
         </p:nvSpPr>
         <p:spPr>
           <a:xfrm>
-            <a:off x="457200" y="273600"/>
-            <a:ext cx="8229240" cy="1144800"/>
+            <a:off x="457200" y="221040"/>
+            <a:ext cx="8229240" cy="1250280"/>
           </a:xfrm>
           <a:prstGeom prst="rect">
             <a:avLst/>
@@ -5532,10 +5413,10 @@
             <a:noAutofit/>
           </a:bodyPr>
           <a:p>
-            <a:pPr indent="0">
+            <a:pPr indent="0" algn="ctr">
               <a:buNone/>
             </a:pPr>
-            <a:endParaRPr b="0" lang="ru-RU" sz="1800" spc="-1" strike="noStrike">
+            <a:endParaRPr b="0" lang="ru-RU" sz="4400" spc="-1" strike="noStrike">
               <a:solidFill>
                 <a:srgbClr val="000000"/>
               </a:solidFill>
@@ -5573,15 +5454,12 @@
           </a:bodyPr>
           <a:p>
             <a:pPr indent="0">
-              <a:lnSpc>
-                <a:spcPct val="90000"/>
-              </a:lnSpc>
               <a:spcBef>
                 <a:spcPts val="1417"/>
               </a:spcBef>
               <a:buNone/>
             </a:pPr>
-            <a:endParaRPr b="0" lang="ru-RU" sz="2800" spc="-1" strike="noStrike">
+            <a:endParaRPr b="0" lang="ru-RU" sz="3200" spc="-1" strike="noStrike">
               <a:solidFill>
                 <a:srgbClr val="000000"/>
               </a:solidFill>
@@ -5619,15 +5497,12 @@
           </a:bodyPr>
           <a:p>
             <a:pPr indent="0">
-              <a:lnSpc>
-                <a:spcPct val="90000"/>
-              </a:lnSpc>
               <a:spcBef>
                 <a:spcPts val="1417"/>
               </a:spcBef>
               <a:buNone/>
             </a:pPr>
-            <a:endParaRPr b="0" lang="ru-RU" sz="2800" spc="-1" strike="noStrike">
+            <a:endParaRPr b="0" lang="ru-RU" sz="3200" spc="-1" strike="noStrike">
               <a:solidFill>
                 <a:srgbClr val="000000"/>
               </a:solidFill>
@@ -5665,15 +5540,12 @@
           </a:bodyPr>
           <a:p>
             <a:pPr indent="0">
-              <a:lnSpc>
-                <a:spcPct val="90000"/>
-              </a:lnSpc>
               <a:spcBef>
                 <a:spcPts val="1417"/>
               </a:spcBef>
               <a:buNone/>
             </a:pPr>
-            <a:endParaRPr b="0" lang="ru-RU" sz="2800" spc="-1" strike="noStrike">
+            <a:endParaRPr b="0" lang="ru-RU" sz="3200" spc="-1" strike="noStrike">
               <a:solidFill>
                 <a:srgbClr val="000000"/>
               </a:solidFill>
@@ -5716,7 +5588,7 @@
         <p:txBody>
           <a:bodyPr/>
           <a:p>
-            <a:fld id="{4A6BD9D4-20BA-43A4-9DA8-BC1ACF146FD5}" type="slidenum">
+            <a:fld id="{967047EB-1352-4DDE-B694-B28BE77D25FC}" type="slidenum">
               <a:t>&lt;#&gt;</a:t>
             </a:fld>
           </a:p>
@@ -5777,8 +5649,8 @@
         </p:nvSpPr>
         <p:spPr>
           <a:xfrm>
-            <a:off x="457200" y="273600"/>
-            <a:ext cx="8229240" cy="1144800"/>
+            <a:off x="457200" y="221040"/>
+            <a:ext cx="8229240" cy="1250280"/>
           </a:xfrm>
           <a:prstGeom prst="rect">
             <a:avLst/>
@@ -5793,10 +5665,10 @@
             <a:noAutofit/>
           </a:bodyPr>
           <a:p>
-            <a:pPr indent="0">
+            <a:pPr indent="0" algn="ctr">
               <a:buNone/>
             </a:pPr>
-            <a:endParaRPr b="0" lang="ru-RU" sz="1800" spc="-1" strike="noStrike">
+            <a:endParaRPr b="0" lang="ru-RU" sz="4400" spc="-1" strike="noStrike">
               <a:solidFill>
                 <a:srgbClr val="000000"/>
               </a:solidFill>
@@ -5834,15 +5706,12 @@
           </a:bodyPr>
           <a:p>
             <a:pPr indent="0">
-              <a:lnSpc>
-                <a:spcPct val="90000"/>
-              </a:lnSpc>
               <a:spcBef>
                 <a:spcPts val="1417"/>
               </a:spcBef>
               <a:buNone/>
             </a:pPr>
-            <a:endParaRPr b="0" lang="ru-RU" sz="2800" spc="-1" strike="noStrike">
+            <a:endParaRPr b="0" lang="ru-RU" sz="3200" spc="-1" strike="noStrike">
               <a:solidFill>
                 <a:srgbClr val="000000"/>
               </a:solidFill>
@@ -5880,15 +5749,12 @@
           </a:bodyPr>
           <a:p>
             <a:pPr indent="0">
-              <a:lnSpc>
-                <a:spcPct val="90000"/>
-              </a:lnSpc>
               <a:spcBef>
                 <a:spcPts val="1417"/>
               </a:spcBef>
               <a:buNone/>
             </a:pPr>
-            <a:endParaRPr b="0" lang="ru-RU" sz="2800" spc="-1" strike="noStrike">
+            <a:endParaRPr b="0" lang="ru-RU" sz="3200" spc="-1" strike="noStrike">
               <a:solidFill>
                 <a:srgbClr val="000000"/>
               </a:solidFill>
@@ -5926,15 +5792,12 @@
           </a:bodyPr>
           <a:p>
             <a:pPr indent="0">
-              <a:lnSpc>
-                <a:spcPct val="90000"/>
-              </a:lnSpc>
               <a:spcBef>
                 <a:spcPts val="1417"/>
               </a:spcBef>
               <a:buNone/>
             </a:pPr>
-            <a:endParaRPr b="0" lang="ru-RU" sz="2800" spc="-1" strike="noStrike">
+            <a:endParaRPr b="0" lang="ru-RU" sz="3200" spc="-1" strike="noStrike">
               <a:solidFill>
                 <a:srgbClr val="000000"/>
               </a:solidFill>
@@ -5977,7 +5840,7 @@
         <p:txBody>
           <a:bodyPr/>
           <a:p>
-            <a:fld id="{2B34F195-F4AD-469C-B349-80BAA1578D36}" type="slidenum">
+            <a:fld id="{EC4682D2-C11E-4C03-9659-20515853A444}" type="slidenum">
               <a:t>&lt;#&gt;</a:t>
             </a:fld>
           </a:p>
@@ -6038,8 +5901,8 @@
         </p:nvSpPr>
         <p:spPr>
           <a:xfrm>
-            <a:off x="457200" y="273600"/>
-            <a:ext cx="8229240" cy="1144800"/>
+            <a:off x="457200" y="221040"/>
+            <a:ext cx="8229240" cy="1250280"/>
           </a:xfrm>
           <a:prstGeom prst="rect">
             <a:avLst/>
@@ -6054,10 +5917,10 @@
             <a:noAutofit/>
           </a:bodyPr>
           <a:p>
-            <a:pPr indent="0">
+            <a:pPr indent="0" algn="ctr">
               <a:buNone/>
             </a:pPr>
-            <a:endParaRPr b="0" lang="ru-RU" sz="1800" spc="-1" strike="noStrike">
+            <a:endParaRPr b="0" lang="ru-RU" sz="4400" spc="-1" strike="noStrike">
               <a:solidFill>
                 <a:srgbClr val="000000"/>
               </a:solidFill>
@@ -6095,15 +5958,12 @@
           </a:bodyPr>
           <a:p>
             <a:pPr indent="0">
-              <a:lnSpc>
-                <a:spcPct val="90000"/>
-              </a:lnSpc>
               <a:spcBef>
                 <a:spcPts val="1417"/>
               </a:spcBef>
               <a:buNone/>
             </a:pPr>
-            <a:endParaRPr b="0" lang="ru-RU" sz="2800" spc="-1" strike="noStrike">
+            <a:endParaRPr b="0" lang="ru-RU" sz="3200" spc="-1" strike="noStrike">
               <a:solidFill>
                 <a:srgbClr val="000000"/>
               </a:solidFill>
@@ -6141,15 +6001,12 @@
           </a:bodyPr>
           <a:p>
             <a:pPr indent="0">
-              <a:lnSpc>
-                <a:spcPct val="90000"/>
-              </a:lnSpc>
               <a:spcBef>
                 <a:spcPts val="1417"/>
               </a:spcBef>
               <a:buNone/>
             </a:pPr>
-            <a:endParaRPr b="0" lang="ru-RU" sz="2800" spc="-1" strike="noStrike">
+            <a:endParaRPr b="0" lang="ru-RU" sz="3200" spc="-1" strike="noStrike">
               <a:solidFill>
                 <a:srgbClr val="000000"/>
               </a:solidFill>
@@ -6187,15 +6044,12 @@
           </a:bodyPr>
           <a:p>
             <a:pPr indent="0">
-              <a:lnSpc>
-                <a:spcPct val="90000"/>
-              </a:lnSpc>
               <a:spcBef>
                 <a:spcPts val="1417"/>
               </a:spcBef>
               <a:buNone/>
             </a:pPr>
-            <a:endParaRPr b="0" lang="ru-RU" sz="2800" spc="-1" strike="noStrike">
+            <a:endParaRPr b="0" lang="ru-RU" sz="3200" spc="-1" strike="noStrike">
               <a:solidFill>
                 <a:srgbClr val="000000"/>
               </a:solidFill>
@@ -6238,7 +6092,7 @@
         <p:txBody>
           <a:bodyPr/>
           <a:p>
-            <a:fld id="{B09C7F97-0396-45F1-BB5C-F04DFCF4E8E1}" type="slidenum">
+            <a:fld id="{71F7E70B-09A8-4DA0-8966-5A3DF85325F2}" type="slidenum">
               <a:t>&lt;#&gt;</a:t>
             </a:fld>
           </a:p>
@@ -6299,8 +6153,8 @@
         </p:nvSpPr>
         <p:spPr>
           <a:xfrm>
-            <a:off x="457200" y="273600"/>
-            <a:ext cx="8229240" cy="1144800"/>
+            <a:off x="457200" y="221040"/>
+            <a:ext cx="8229240" cy="1250280"/>
           </a:xfrm>
           <a:prstGeom prst="rect">
             <a:avLst/>
@@ -6315,10 +6169,10 @@
             <a:noAutofit/>
           </a:bodyPr>
           <a:p>
-            <a:pPr indent="0">
+            <a:pPr indent="0" algn="ctr">
               <a:buNone/>
             </a:pPr>
-            <a:endParaRPr b="0" lang="ru-RU" sz="1800" spc="-1" strike="noStrike">
+            <a:endParaRPr b="0" lang="ru-RU" sz="4400" spc="-1" strike="noStrike">
               <a:solidFill>
                 <a:srgbClr val="000000"/>
               </a:solidFill>
@@ -6356,15 +6210,12 @@
           </a:bodyPr>
           <a:p>
             <a:pPr indent="0">
-              <a:lnSpc>
-                <a:spcPct val="90000"/>
-              </a:lnSpc>
               <a:spcBef>
                 <a:spcPts val="1417"/>
               </a:spcBef>
               <a:buNone/>
             </a:pPr>
-            <a:endParaRPr b="0" lang="ru-RU" sz="2800" spc="-1" strike="noStrike">
+            <a:endParaRPr b="0" lang="ru-RU" sz="3200" spc="-1" strike="noStrike">
               <a:solidFill>
                 <a:srgbClr val="000000"/>
               </a:solidFill>
@@ -6402,15 +6253,12 @@
           </a:bodyPr>
           <a:p>
             <a:pPr indent="0">
-              <a:lnSpc>
-                <a:spcPct val="90000"/>
-              </a:lnSpc>
               <a:spcBef>
                 <a:spcPts val="1417"/>
               </a:spcBef>
               <a:buNone/>
             </a:pPr>
-            <a:endParaRPr b="0" lang="ru-RU" sz="2800" spc="-1" strike="noStrike">
+            <a:endParaRPr b="0" lang="ru-RU" sz="3200" spc="-1" strike="noStrike">
               <a:solidFill>
                 <a:srgbClr val="000000"/>
               </a:solidFill>
@@ -6453,7 +6301,7 @@
         <p:txBody>
           <a:bodyPr/>
           <a:p>
-            <a:fld id="{12479D96-4559-444B-A6C1-61070C57ADCF}" type="slidenum">
+            <a:fld id="{74C9E7DA-F057-462A-9A64-6C2F797E2A15}" type="slidenum">
               <a:t>&lt;#&gt;</a:t>
             </a:fld>
           </a:p>
@@ -6514,8 +6362,8 @@
         </p:nvSpPr>
         <p:spPr>
           <a:xfrm>
-            <a:off x="457200" y="273600"/>
-            <a:ext cx="8229240" cy="1144800"/>
+            <a:off x="457200" y="221040"/>
+            <a:ext cx="8229240" cy="1250280"/>
           </a:xfrm>
           <a:prstGeom prst="rect">
             <a:avLst/>
@@ -6530,10 +6378,10 @@
             <a:noAutofit/>
           </a:bodyPr>
           <a:p>
-            <a:pPr indent="0">
+            <a:pPr indent="0" algn="ctr">
               <a:buNone/>
             </a:pPr>
-            <a:endParaRPr b="0" lang="ru-RU" sz="1800" spc="-1" strike="noStrike">
+            <a:endParaRPr b="0" lang="ru-RU" sz="4400" spc="-1" strike="noStrike">
               <a:solidFill>
                 <a:srgbClr val="000000"/>
               </a:solidFill>
@@ -6571,15 +6419,12 @@
           </a:bodyPr>
           <a:p>
             <a:pPr indent="0">
-              <a:lnSpc>
-                <a:spcPct val="90000"/>
-              </a:lnSpc>
               <a:spcBef>
                 <a:spcPts val="1417"/>
               </a:spcBef>
               <a:buNone/>
             </a:pPr>
-            <a:endParaRPr b="0" lang="ru-RU" sz="2800" spc="-1" strike="noStrike">
+            <a:endParaRPr b="0" lang="ru-RU" sz="3200" spc="-1" strike="noStrike">
               <a:solidFill>
                 <a:srgbClr val="000000"/>
               </a:solidFill>
@@ -6617,15 +6462,12 @@
           </a:bodyPr>
           <a:p>
             <a:pPr indent="0">
-              <a:lnSpc>
-                <a:spcPct val="90000"/>
-              </a:lnSpc>
               <a:spcBef>
                 <a:spcPts val="1417"/>
               </a:spcBef>
               <a:buNone/>
             </a:pPr>
-            <a:endParaRPr b="0" lang="ru-RU" sz="2800" spc="-1" strike="noStrike">
+            <a:endParaRPr b="0" lang="ru-RU" sz="3200" spc="-1" strike="noStrike">
               <a:solidFill>
                 <a:srgbClr val="000000"/>
               </a:solidFill>
@@ -6663,15 +6505,12 @@
           </a:bodyPr>
           <a:p>
             <a:pPr indent="0">
-              <a:lnSpc>
-                <a:spcPct val="90000"/>
-              </a:lnSpc>
               <a:spcBef>
                 <a:spcPts val="1417"/>
               </a:spcBef>
               <a:buNone/>
             </a:pPr>
-            <a:endParaRPr b="0" lang="ru-RU" sz="2800" spc="-1" strike="noStrike">
+            <a:endParaRPr b="0" lang="ru-RU" sz="3200" spc="-1" strike="noStrike">
               <a:solidFill>
                 <a:srgbClr val="000000"/>
               </a:solidFill>
@@ -6709,15 +6548,12 @@
           </a:bodyPr>
           <a:p>
             <a:pPr indent="0">
-              <a:lnSpc>
-                <a:spcPct val="90000"/>
-              </a:lnSpc>
               <a:spcBef>
                 <a:spcPts val="1417"/>
               </a:spcBef>
               <a:buNone/>
             </a:pPr>
-            <a:endParaRPr b="0" lang="ru-RU" sz="2800" spc="-1" strike="noStrike">
+            <a:endParaRPr b="0" lang="ru-RU" sz="3200" spc="-1" strike="noStrike">
               <a:solidFill>
                 <a:srgbClr val="000000"/>
               </a:solidFill>
@@ -6760,7 +6596,7 @@
         <p:txBody>
           <a:bodyPr/>
           <a:p>
-            <a:fld id="{1831276F-C344-497F-8A68-40D8C1929E61}" type="slidenum">
+            <a:fld id="{A0718411-44FB-445D-8259-BB39FC7865A8}" type="slidenum">
               <a:t>&lt;#&gt;</a:t>
             </a:fld>
           </a:p>
@@ -6821,8 +6657,8 @@
         </p:nvSpPr>
         <p:spPr>
           <a:xfrm>
-            <a:off x="457200" y="273600"/>
-            <a:ext cx="8229240" cy="1144800"/>
+            <a:off x="457200" y="221040"/>
+            <a:ext cx="8229240" cy="1250280"/>
           </a:xfrm>
           <a:prstGeom prst="rect">
             <a:avLst/>
@@ -6837,10 +6673,10 @@
             <a:noAutofit/>
           </a:bodyPr>
           <a:p>
-            <a:pPr indent="0">
+            <a:pPr indent="0" algn="ctr">
               <a:buNone/>
             </a:pPr>
-            <a:endParaRPr b="0" lang="ru-RU" sz="1800" spc="-1" strike="noStrike">
+            <a:endParaRPr b="0" lang="ru-RU" sz="4400" spc="-1" strike="noStrike">
               <a:solidFill>
                 <a:srgbClr val="000000"/>
               </a:solidFill>
@@ -6874,19 +6710,16 @@
         </p:spPr>
         <p:txBody>
           <a:bodyPr lIns="0" rIns="0" tIns="0" bIns="0" anchor="t">
-            <a:normAutofit/>
+            <a:normAutofit fontScale="83000"/>
           </a:bodyPr>
           <a:p>
             <a:pPr indent="0">
-              <a:lnSpc>
-                <a:spcPct val="90000"/>
-              </a:lnSpc>
               <a:spcBef>
                 <a:spcPts val="1417"/>
               </a:spcBef>
               <a:buNone/>
             </a:pPr>
-            <a:endParaRPr b="0" lang="ru-RU" sz="2800" spc="-1" strike="noStrike">
+            <a:endParaRPr b="0" lang="ru-RU" sz="3200" spc="-1" strike="noStrike">
               <a:solidFill>
                 <a:srgbClr val="000000"/>
               </a:solidFill>
@@ -6920,19 +6753,16 @@
         </p:spPr>
         <p:txBody>
           <a:bodyPr lIns="0" rIns="0" tIns="0" bIns="0" anchor="t">
-            <a:normAutofit/>
+            <a:normAutofit fontScale="83000"/>
           </a:bodyPr>
           <a:p>
             <a:pPr indent="0">
-              <a:lnSpc>
-                <a:spcPct val="90000"/>
-              </a:lnSpc>
               <a:spcBef>
                 <a:spcPts val="1417"/>
               </a:spcBef>
               <a:buNone/>
             </a:pPr>
-            <a:endParaRPr b="0" lang="ru-RU" sz="2800" spc="-1" strike="noStrike">
+            <a:endParaRPr b="0" lang="ru-RU" sz="3200" spc="-1" strike="noStrike">
               <a:solidFill>
                 <a:srgbClr val="000000"/>
               </a:solidFill>
@@ -6966,19 +6796,16 @@
         </p:spPr>
         <p:txBody>
           <a:bodyPr lIns="0" rIns="0" tIns="0" bIns="0" anchor="t">
-            <a:normAutofit/>
+            <a:normAutofit fontScale="83000"/>
           </a:bodyPr>
           <a:p>
             <a:pPr indent="0">
-              <a:lnSpc>
-                <a:spcPct val="90000"/>
-              </a:lnSpc>
               <a:spcBef>
                 <a:spcPts val="1417"/>
               </a:spcBef>
               <a:buNone/>
             </a:pPr>
-            <a:endParaRPr b="0" lang="ru-RU" sz="2800" spc="-1" strike="noStrike">
+            <a:endParaRPr b="0" lang="ru-RU" sz="3200" spc="-1" strike="noStrike">
               <a:solidFill>
                 <a:srgbClr val="000000"/>
               </a:solidFill>
@@ -7012,19 +6839,16 @@
         </p:spPr>
         <p:txBody>
           <a:bodyPr lIns="0" rIns="0" tIns="0" bIns="0" anchor="t">
-            <a:normAutofit/>
+            <a:normAutofit fontScale="83000"/>
           </a:bodyPr>
           <a:p>
             <a:pPr indent="0">
-              <a:lnSpc>
-                <a:spcPct val="90000"/>
-              </a:lnSpc>
               <a:spcBef>
                 <a:spcPts val="1417"/>
               </a:spcBef>
               <a:buNone/>
             </a:pPr>
-            <a:endParaRPr b="0" lang="ru-RU" sz="2800" spc="-1" strike="noStrike">
+            <a:endParaRPr b="0" lang="ru-RU" sz="3200" spc="-1" strike="noStrike">
               <a:solidFill>
                 <a:srgbClr val="000000"/>
               </a:solidFill>
@@ -7058,19 +6882,16 @@
         </p:spPr>
         <p:txBody>
           <a:bodyPr lIns="0" rIns="0" tIns="0" bIns="0" anchor="t">
-            <a:normAutofit/>
+            <a:normAutofit fontScale="83000"/>
           </a:bodyPr>
           <a:p>
             <a:pPr indent="0">
-              <a:lnSpc>
-                <a:spcPct val="90000"/>
-              </a:lnSpc>
               <a:spcBef>
                 <a:spcPts val="1417"/>
               </a:spcBef>
               <a:buNone/>
             </a:pPr>
-            <a:endParaRPr b="0" lang="ru-RU" sz="2800" spc="-1" strike="noStrike">
+            <a:endParaRPr b="0" lang="ru-RU" sz="3200" spc="-1" strike="noStrike">
               <a:solidFill>
                 <a:srgbClr val="000000"/>
               </a:solidFill>
@@ -7104,19 +6925,16 @@
         </p:spPr>
         <p:txBody>
           <a:bodyPr lIns="0" rIns="0" tIns="0" bIns="0" anchor="t">
-            <a:normAutofit/>
+            <a:normAutofit fontScale="83000"/>
           </a:bodyPr>
           <a:p>
             <a:pPr indent="0">
-              <a:lnSpc>
-                <a:spcPct val="90000"/>
-              </a:lnSpc>
               <a:spcBef>
                 <a:spcPts val="1417"/>
               </a:spcBef>
               <a:buNone/>
             </a:pPr>
-            <a:endParaRPr b="0" lang="ru-RU" sz="2800" spc="-1" strike="noStrike">
+            <a:endParaRPr b="0" lang="ru-RU" sz="3200" spc="-1" strike="noStrike">
               <a:solidFill>
                 <a:srgbClr val="000000"/>
               </a:solidFill>
@@ -7159,7 +6977,7 @@
         <p:txBody>
           <a:bodyPr/>
           <a:p>
-            <a:fld id="{E2975826-E789-4C53-A771-FCCDF43D389E}" type="slidenum">
+            <a:fld id="{1C176506-7D69-4A2A-A71A-4D099A0C6BF5}" type="slidenum">
               <a:t>&lt;#&gt;</a:t>
             </a:fld>
           </a:p>
@@ -7220,8 +7038,8 @@
         </p:nvSpPr>
         <p:spPr>
           <a:xfrm>
-            <a:off x="457200" y="273600"/>
-            <a:ext cx="8229240" cy="1144800"/>
+            <a:off x="457200" y="221040"/>
+            <a:ext cx="8229240" cy="1250280"/>
           </a:xfrm>
           <a:prstGeom prst="rect">
             <a:avLst/>
@@ -7236,10 +7054,10 @@
             <a:noAutofit/>
           </a:bodyPr>
           <a:p>
-            <a:pPr indent="0">
+            <a:pPr indent="0" algn="ctr">
               <a:buNone/>
             </a:pPr>
-            <a:endParaRPr b="0" lang="ru-RU" sz="1800" spc="-1" strike="noStrike">
+            <a:endParaRPr b="0" lang="ru-RU" sz="4400" spc="-1" strike="noStrike">
               <a:solidFill>
                 <a:srgbClr val="000000"/>
               </a:solidFill>
@@ -7277,15 +7095,12 @@
           </a:bodyPr>
           <a:p>
             <a:pPr indent="0">
-              <a:lnSpc>
-                <a:spcPct val="90000"/>
-              </a:lnSpc>
               <a:spcBef>
                 <a:spcPts val="1417"/>
               </a:spcBef>
               <a:buNone/>
             </a:pPr>
-            <a:endParaRPr b="0" lang="ru-RU" sz="2800" spc="-1" strike="noStrike">
+            <a:endParaRPr b="0" lang="ru-RU" sz="3200" spc="-1" strike="noStrike">
               <a:solidFill>
                 <a:srgbClr val="000000"/>
               </a:solidFill>
@@ -7323,15 +7138,12 @@
           </a:bodyPr>
           <a:p>
             <a:pPr indent="0">
-              <a:lnSpc>
-                <a:spcPct val="90000"/>
-              </a:lnSpc>
               <a:spcBef>
                 <a:spcPts val="1417"/>
               </a:spcBef>
               <a:buNone/>
             </a:pPr>
-            <a:endParaRPr b="0" lang="ru-RU" sz="2800" spc="-1" strike="noStrike">
+            <a:endParaRPr b="0" lang="ru-RU" sz="3200" spc="-1" strike="noStrike">
               <a:solidFill>
                 <a:srgbClr val="000000"/>
               </a:solidFill>
@@ -7374,7 +7186,7 @@
         <p:txBody>
           <a:bodyPr/>
           <a:p>
-            <a:fld id="{E85C3FA1-0F44-4552-8417-9C4A18C701EE}" type="slidenum">
+            <a:fld id="{13436367-9330-4AC6-9D59-8985AAF4619C}" type="slidenum">
               <a:t>&lt;#&gt;</a:t>
             </a:fld>
           </a:p>
@@ -7435,8 +7247,8 @@
         </p:nvSpPr>
         <p:spPr>
           <a:xfrm>
-            <a:off x="457200" y="273600"/>
-            <a:ext cx="8229240" cy="1144800"/>
+            <a:off x="457200" y="221040"/>
+            <a:ext cx="8229240" cy="1250280"/>
           </a:xfrm>
           <a:prstGeom prst="rect">
             <a:avLst/>
@@ -7451,10 +7263,10 @@
             <a:noAutofit/>
           </a:bodyPr>
           <a:p>
-            <a:pPr indent="0">
+            <a:pPr indent="0" algn="ctr">
               <a:buNone/>
             </a:pPr>
-            <a:endParaRPr b="0" lang="ru-RU" sz="1800" spc="-1" strike="noStrike">
+            <a:endParaRPr b="0" lang="ru-RU" sz="4400" spc="-1" strike="noStrike">
               <a:solidFill>
                 <a:srgbClr val="000000"/>
               </a:solidFill>
@@ -7497,7 +7309,7 @@
         <p:txBody>
           <a:bodyPr/>
           <a:p>
-            <a:fld id="{A495AC2D-3968-4C7B-964B-BD03F751295F}" type="slidenum">
+            <a:fld id="{31906300-272B-4EBE-A405-243CDD622BFE}" type="slidenum">
               <a:t>&lt;#&gt;</a:t>
             </a:fld>
           </a:p>
@@ -7618,7 +7430,7 @@
         <p:txBody>
           <a:bodyPr/>
           <a:p>
-            <a:fld id="{FC879795-7DC1-4C3B-8BAE-F3E70F7CF164}" type="slidenum">
+            <a:fld id="{3CAF6A0E-C1FA-4D14-B6AB-630731B9F6F4}" type="slidenum">
               <a:t>&lt;#&gt;</a:t>
             </a:fld>
           </a:p>
@@ -7679,8 +7491,8 @@
         </p:nvSpPr>
         <p:spPr>
           <a:xfrm>
-            <a:off x="457200" y="273600"/>
-            <a:ext cx="8229240" cy="1144800"/>
+            <a:off x="457200" y="221040"/>
+            <a:ext cx="8229240" cy="1250280"/>
           </a:xfrm>
           <a:prstGeom prst="rect">
             <a:avLst/>
@@ -7695,10 +7507,10 @@
             <a:noAutofit/>
           </a:bodyPr>
           <a:p>
-            <a:pPr indent="0">
+            <a:pPr indent="0" algn="ctr">
               <a:buNone/>
             </a:pPr>
-            <a:endParaRPr b="0" lang="ru-RU" sz="1800" spc="-1" strike="noStrike">
+            <a:endParaRPr b="0" lang="ru-RU" sz="4400" spc="-1" strike="noStrike">
               <a:solidFill>
                 <a:srgbClr val="000000"/>
               </a:solidFill>
@@ -7736,15 +7548,12 @@
           </a:bodyPr>
           <a:p>
             <a:pPr indent="0">
-              <a:lnSpc>
-                <a:spcPct val="90000"/>
-              </a:lnSpc>
               <a:spcBef>
                 <a:spcPts val="1417"/>
               </a:spcBef>
               <a:buNone/>
             </a:pPr>
-            <a:endParaRPr b="0" lang="ru-RU" sz="2800" spc="-1" strike="noStrike">
+            <a:endParaRPr b="0" lang="ru-RU" sz="3200" spc="-1" strike="noStrike">
               <a:solidFill>
                 <a:srgbClr val="000000"/>
               </a:solidFill>
@@ -7782,15 +7591,12 @@
           </a:bodyPr>
           <a:p>
             <a:pPr indent="0">
-              <a:lnSpc>
-                <a:spcPct val="90000"/>
-              </a:lnSpc>
               <a:spcBef>
                 <a:spcPts val="1417"/>
               </a:spcBef>
               <a:buNone/>
             </a:pPr>
-            <a:endParaRPr b="0" lang="ru-RU" sz="2800" spc="-1" strike="noStrike">
+            <a:endParaRPr b="0" lang="ru-RU" sz="3200" spc="-1" strike="noStrike">
               <a:solidFill>
                 <a:srgbClr val="000000"/>
               </a:solidFill>
@@ -7828,15 +7634,12 @@
           </a:bodyPr>
           <a:p>
             <a:pPr indent="0">
-              <a:lnSpc>
-                <a:spcPct val="90000"/>
-              </a:lnSpc>
               <a:spcBef>
                 <a:spcPts val="1417"/>
               </a:spcBef>
               <a:buNone/>
             </a:pPr>
-            <a:endParaRPr b="0" lang="ru-RU" sz="2800" spc="-1" strike="noStrike">
+            <a:endParaRPr b="0" lang="ru-RU" sz="3200" spc="-1" strike="noStrike">
               <a:solidFill>
                 <a:srgbClr val="000000"/>
               </a:solidFill>
@@ -7879,7 +7682,7 @@
         <p:txBody>
           <a:bodyPr/>
           <a:p>
-            <a:fld id="{3295D22E-5F67-49C7-8FC0-A5115CF84A3A}" type="slidenum">
+            <a:fld id="{5A540AB6-8BDC-4E24-838C-1DAFBAE688D3}" type="slidenum">
               <a:t>&lt;#&gt;</a:t>
             </a:fld>
           </a:p>
@@ -7940,8 +7743,8 @@
         </p:nvSpPr>
         <p:spPr>
           <a:xfrm>
-            <a:off x="457200" y="273600"/>
-            <a:ext cx="8229240" cy="1144800"/>
+            <a:off x="457200" y="221040"/>
+            <a:ext cx="8229240" cy="1250280"/>
           </a:xfrm>
           <a:prstGeom prst="rect">
             <a:avLst/>
@@ -7956,10 +7759,10 @@
             <a:noAutofit/>
           </a:bodyPr>
           <a:p>
-            <a:pPr indent="0">
+            <a:pPr indent="0" algn="ctr">
               <a:buNone/>
             </a:pPr>
-            <a:endParaRPr b="0" lang="ru-RU" sz="1800" spc="-1" strike="noStrike">
+            <a:endParaRPr b="0" lang="ru-RU" sz="4400" spc="-1" strike="noStrike">
               <a:solidFill>
                 <a:srgbClr val="000000"/>
               </a:solidFill>
@@ -7997,15 +7800,12 @@
           </a:bodyPr>
           <a:p>
             <a:pPr indent="0">
-              <a:lnSpc>
-                <a:spcPct val="90000"/>
-              </a:lnSpc>
               <a:spcBef>
                 <a:spcPts val="1417"/>
               </a:spcBef>
               <a:buNone/>
             </a:pPr>
-            <a:endParaRPr b="0" lang="ru-RU" sz="2800" spc="-1" strike="noStrike">
+            <a:endParaRPr b="0" lang="ru-RU" sz="3200" spc="-1" strike="noStrike">
               <a:solidFill>
                 <a:srgbClr val="000000"/>
               </a:solidFill>
@@ -8043,15 +7843,12 @@
           </a:bodyPr>
           <a:p>
             <a:pPr indent="0">
-              <a:lnSpc>
-                <a:spcPct val="90000"/>
-              </a:lnSpc>
               <a:spcBef>
                 <a:spcPts val="1417"/>
               </a:spcBef>
               <a:buNone/>
             </a:pPr>
-            <a:endParaRPr b="0" lang="ru-RU" sz="2800" spc="-1" strike="noStrike">
+            <a:endParaRPr b="0" lang="ru-RU" sz="3200" spc="-1" strike="noStrike">
               <a:solidFill>
                 <a:srgbClr val="000000"/>
               </a:solidFill>
@@ -8089,15 +7886,12 @@
           </a:bodyPr>
           <a:p>
             <a:pPr indent="0">
-              <a:lnSpc>
-                <a:spcPct val="90000"/>
-              </a:lnSpc>
               <a:spcBef>
                 <a:spcPts val="1417"/>
               </a:spcBef>
               <a:buNone/>
             </a:pPr>
-            <a:endParaRPr b="0" lang="ru-RU" sz="2800" spc="-1" strike="noStrike">
+            <a:endParaRPr b="0" lang="ru-RU" sz="3200" spc="-1" strike="noStrike">
               <a:solidFill>
                 <a:srgbClr val="000000"/>
               </a:solidFill>
@@ -8140,7 +7934,7 @@
         <p:txBody>
           <a:bodyPr/>
           <a:p>
-            <a:fld id="{1750AE01-9FBF-4BD1-8B97-105CBC91F824}" type="slidenum">
+            <a:fld id="{98DD739D-C6BE-463C-9A2D-5A94EF938355}" type="slidenum">
               <a:t>&lt;#&gt;</a:t>
             </a:fld>
           </a:p>
@@ -8201,8 +7995,8 @@
         </p:nvSpPr>
         <p:spPr>
           <a:xfrm>
-            <a:off x="457200" y="273600"/>
-            <a:ext cx="8229240" cy="1144800"/>
+            <a:off x="457200" y="221040"/>
+            <a:ext cx="8229240" cy="1250280"/>
           </a:xfrm>
           <a:prstGeom prst="rect">
             <a:avLst/>
@@ -8217,10 +8011,10 @@
             <a:noAutofit/>
           </a:bodyPr>
           <a:p>
-            <a:pPr indent="0">
+            <a:pPr indent="0" algn="ctr">
               <a:buNone/>
             </a:pPr>
-            <a:endParaRPr b="0" lang="ru-RU" sz="1800" spc="-1" strike="noStrike">
+            <a:endParaRPr b="0" lang="ru-RU" sz="4400" spc="-1" strike="noStrike">
               <a:solidFill>
                 <a:srgbClr val="000000"/>
               </a:solidFill>
@@ -8258,15 +8052,12 @@
           </a:bodyPr>
           <a:p>
             <a:pPr indent="0">
-              <a:lnSpc>
-                <a:spcPct val="90000"/>
-              </a:lnSpc>
               <a:spcBef>
                 <a:spcPts val="1417"/>
               </a:spcBef>
               <a:buNone/>
             </a:pPr>
-            <a:endParaRPr b="0" lang="ru-RU" sz="2800" spc="-1" strike="noStrike">
+            <a:endParaRPr b="0" lang="ru-RU" sz="3200" spc="-1" strike="noStrike">
               <a:solidFill>
                 <a:srgbClr val="000000"/>
               </a:solidFill>
@@ -8304,15 +8095,12 @@
           </a:bodyPr>
           <a:p>
             <a:pPr indent="0">
-              <a:lnSpc>
-                <a:spcPct val="90000"/>
-              </a:lnSpc>
               <a:spcBef>
                 <a:spcPts val="1417"/>
               </a:spcBef>
               <a:buNone/>
             </a:pPr>
-            <a:endParaRPr b="0" lang="ru-RU" sz="2800" spc="-1" strike="noStrike">
+            <a:endParaRPr b="0" lang="ru-RU" sz="3200" spc="-1" strike="noStrike">
               <a:solidFill>
                 <a:srgbClr val="000000"/>
               </a:solidFill>
@@ -8350,15 +8138,12 @@
           </a:bodyPr>
           <a:p>
             <a:pPr indent="0">
-              <a:lnSpc>
-                <a:spcPct val="90000"/>
-              </a:lnSpc>
               <a:spcBef>
                 <a:spcPts val="1417"/>
               </a:spcBef>
               <a:buNone/>
             </a:pPr>
-            <a:endParaRPr b="0" lang="ru-RU" sz="2800" spc="-1" strike="noStrike">
+            <a:endParaRPr b="0" lang="ru-RU" sz="3200" spc="-1" strike="noStrike">
               <a:solidFill>
                 <a:srgbClr val="000000"/>
               </a:solidFill>
@@ -8401,7 +8186,7 @@
         <p:txBody>
           <a:bodyPr/>
           <a:p>
-            <a:fld id="{D500763E-09C9-402D-B8C5-AE8CECE7D0B3}" type="slidenum">
+            <a:fld id="{E5840050-5798-4E0F-BCAD-A7515D980297}" type="slidenum">
               <a:t>&lt;#&gt;</a:t>
             </a:fld>
           </a:p>
@@ -8470,7 +8255,7 @@
         <p:spPr>
           <a:xfrm>
             <a:off x="3124080" y="6356520"/>
-            <a:ext cx="2894040" cy="363600"/>
+            <a:ext cx="2893680" cy="363240"/>
           </a:xfrm>
           <a:prstGeom prst="rect">
             <a:avLst/>
@@ -8544,7 +8329,7 @@
         <p:spPr>
           <a:xfrm>
             <a:off x="6553080" y="6356520"/>
-            <a:ext cx="2132280" cy="363600"/>
+            <a:ext cx="2131920" cy="363240"/>
           </a:xfrm>
           <a:prstGeom prst="rect">
             <a:avLst/>
@@ -8586,7 +8371,7 @@
                 <a:tab algn="l" pos="0"/>
               </a:tabLst>
             </a:pPr>
-            <a:fld id="{463B66FF-8AF8-4F9D-B158-4196E73225DA}" type="slidenum">
+            <a:fld id="{A7541374-B6E8-4781-BFE2-A29326BB9C37}" type="slidenum">
               <a:rPr b="0" lang="ru-RU" sz="1200" spc="-1" strike="noStrike">
                 <a:solidFill>
                   <a:srgbClr val="8b8b8b"/>
@@ -8618,7 +8403,7 @@
         <p:spPr>
           <a:xfrm>
             <a:off x="457200" y="6356520"/>
-            <a:ext cx="2132280" cy="363600"/>
+            <a:ext cx="2131920" cy="363240"/>
           </a:xfrm>
           <a:prstGeom prst="rect">
             <a:avLst/>
@@ -8693,11 +8478,11 @@
             <a:noAutofit/>
           </a:bodyPr>
           <a:p>
-            <a:pPr indent="0">
+            <a:pPr indent="0" algn="ctr">
               <a:buNone/>
             </a:pPr>
             <a:r>
-              <a:rPr b="0" lang="ru-RU" sz="1800" spc="-1" strike="noStrike">
+              <a:rPr b="0" lang="ru-RU" sz="4400" spc="-1" strike="noStrike">
                 <a:solidFill>
                   <a:srgbClr val="000000"/>
                 </a:solidFill>
@@ -8705,7 +8490,7 @@
               </a:rPr>
               <a:t>Для правки текста заглавия щёлкните мышью</a:t>
             </a:r>
-            <a:endParaRPr b="0" lang="ru-RU" sz="1800" spc="-1" strike="noStrike">
+            <a:endParaRPr b="0" lang="ru-RU" sz="4400" spc="-1" strike="noStrike">
               <a:solidFill>
                 <a:srgbClr val="000000"/>
               </a:solidFill>
@@ -8743,9 +8528,6 @@
           </a:bodyPr>
           <a:p>
             <a:pPr marL="432000" indent="-324000">
-              <a:lnSpc>
-                <a:spcPct val="90000"/>
-              </a:lnSpc>
               <a:spcBef>
                 <a:spcPts val="1417"/>
               </a:spcBef>
@@ -8755,6 +8537,34 @@
               <a:buSzPct val="45000"/>
               <a:buFont typeface="Wingdings" charset="2"/>
               <a:buChar char=""/>
+            </a:pPr>
+            <a:r>
+              <a:rPr b="0" lang="ru-RU" sz="3200" spc="-1" strike="noStrike">
+                <a:solidFill>
+                  <a:srgbClr val="000000"/>
+                </a:solidFill>
+                <a:latin typeface="Arial"/>
+              </a:rPr>
+              <a:t>Для правки структуры щёлкните мышью</a:t>
+            </a:r>
+            <a:endParaRPr b="0" lang="ru-RU" sz="3200" spc="-1" strike="noStrike">
+              <a:solidFill>
+                <a:srgbClr val="000000"/>
+              </a:solidFill>
+              <a:latin typeface="Arial"/>
+            </a:endParaRPr>
+          </a:p>
+          <a:p>
+            <a:pPr lvl="1" marL="864000" indent="-324000">
+              <a:spcBef>
+                <a:spcPts val="1134"/>
+              </a:spcBef>
+              <a:buClr>
+                <a:srgbClr val="000000"/>
+              </a:buClr>
+              <a:buSzPct val="75000"/>
+              <a:buFont typeface="Symbol" charset="2"/>
+              <a:buChar char=""/>
             </a:pPr>
             <a:r>
               <a:rPr b="0" lang="ru-RU" sz="2800" spc="-1" strike="noStrike">
@@ -8763,7 +8573,7 @@
                 </a:solidFill>
                 <a:latin typeface="Arial"/>
               </a:rPr>
-              <a:t>Для правки структуры щёлкните мышью</a:t>
+              <a:t>Второй уровень структуры</a:t>
             </a:r>
             <a:endParaRPr b="0" lang="ru-RU" sz="2800" spc="-1" strike="noStrike">
               <a:solidFill>
@@ -8773,12 +8583,37 @@
             </a:endParaRPr>
           </a:p>
           <a:p>
-            <a:pPr lvl="1" marL="864000" indent="-324000">
-              <a:lnSpc>
-                <a:spcPct val="90000"/>
-              </a:lnSpc>
+            <a:pPr lvl="2" marL="1296000" indent="-288000">
               <a:spcBef>
-                <a:spcPts val="1134"/>
+                <a:spcPts val="850"/>
+              </a:spcBef>
+              <a:buClr>
+                <a:srgbClr val="000000"/>
+              </a:buClr>
+              <a:buSzPct val="45000"/>
+              <a:buFont typeface="Wingdings" charset="2"/>
+              <a:buChar char=""/>
+            </a:pPr>
+            <a:r>
+              <a:rPr b="0" lang="ru-RU" sz="2400" spc="-1" strike="noStrike">
+                <a:solidFill>
+                  <a:srgbClr val="000000"/>
+                </a:solidFill>
+                <a:latin typeface="Arial"/>
+              </a:rPr>
+              <a:t>Третий уровень структуры</a:t>
+            </a:r>
+            <a:endParaRPr b="0" lang="ru-RU" sz="2400" spc="-1" strike="noStrike">
+              <a:solidFill>
+                <a:srgbClr val="000000"/>
+              </a:solidFill>
+              <a:latin typeface="Arial"/>
+            </a:endParaRPr>
+          </a:p>
+          <a:p>
+            <a:pPr lvl="3" marL="1728000" indent="-216000">
+              <a:spcBef>
+                <a:spcPts val="567"/>
               </a:spcBef>
               <a:buClr>
                 <a:srgbClr val="000000"/>
@@ -8794,7 +8629,7 @@
                 </a:solidFill>
                 <a:latin typeface="Arial"/>
               </a:rPr>
-              <a:t>Второй уровень структуры</a:t>
+              <a:t>Четвёртый уровень структуры</a:t>
             </a:r>
             <a:endParaRPr b="0" lang="ru-RU" sz="2000" spc="-1" strike="noStrike">
               <a:solidFill>
@@ -8804,72 +8639,7 @@
             </a:endParaRPr>
           </a:p>
           <a:p>
-            <a:pPr lvl="2" marL="1296000" indent="-288000">
-              <a:lnSpc>
-                <a:spcPct val="90000"/>
-              </a:lnSpc>
-              <a:spcBef>
-                <a:spcPts val="850"/>
-              </a:spcBef>
-              <a:buClr>
-                <a:srgbClr val="000000"/>
-              </a:buClr>
-              <a:buSzPct val="45000"/>
-              <a:buFont typeface="Wingdings" charset="2"/>
-              <a:buChar char=""/>
-            </a:pPr>
-            <a:r>
-              <a:rPr b="0" lang="ru-RU" sz="1800" spc="-1" strike="noStrike">
-                <a:solidFill>
-                  <a:srgbClr val="000000"/>
-                </a:solidFill>
-                <a:latin typeface="Arial"/>
-              </a:rPr>
-              <a:t>Третий уровень структуры</a:t>
-            </a:r>
-            <a:endParaRPr b="0" lang="ru-RU" sz="1800" spc="-1" strike="noStrike">
-              <a:solidFill>
-                <a:srgbClr val="000000"/>
-              </a:solidFill>
-              <a:latin typeface="Arial"/>
-            </a:endParaRPr>
-          </a:p>
-          <a:p>
-            <a:pPr lvl="3" marL="1728000" indent="-216000">
-              <a:lnSpc>
-                <a:spcPct val="90000"/>
-              </a:lnSpc>
-              <a:spcBef>
-                <a:spcPts val="567"/>
-              </a:spcBef>
-              <a:buClr>
-                <a:srgbClr val="000000"/>
-              </a:buClr>
-              <a:buSzPct val="75000"/>
-              <a:buFont typeface="Symbol" charset="2"/>
-              <a:buChar char=""/>
-            </a:pPr>
-            <a:r>
-              <a:rPr b="0" lang="ru-RU" sz="1800" spc="-1" strike="noStrike">
-                <a:solidFill>
-                  <a:srgbClr val="000000"/>
-                </a:solidFill>
-                <a:latin typeface="Arial"/>
-              </a:rPr>
-              <a:t>Четвёртый уровень структуры</a:t>
-            </a:r>
-            <a:endParaRPr b="0" lang="ru-RU" sz="1800" spc="-1" strike="noStrike">
-              <a:solidFill>
-                <a:srgbClr val="000000"/>
-              </a:solidFill>
-              <a:latin typeface="Arial"/>
-            </a:endParaRPr>
-          </a:p>
-          <a:p>
             <a:pPr lvl="4" marL="2160000" indent="-216000">
-              <a:lnSpc>
-                <a:spcPct val="90000"/>
-              </a:lnSpc>
               <a:spcBef>
                 <a:spcPts val="283"/>
               </a:spcBef>
@@ -8898,9 +8668,6 @@
           </a:p>
           <a:p>
             <a:pPr lvl="5" marL="2592000" indent="-216000">
-              <a:lnSpc>
-                <a:spcPct val="90000"/>
-              </a:lnSpc>
               <a:spcBef>
                 <a:spcPts val="283"/>
               </a:spcBef>
@@ -8929,9 +8696,6 @@
           </a:p>
           <a:p>
             <a:pPr lvl="6" marL="3024000" indent="-216000">
-              <a:lnSpc>
-                <a:spcPct val="90000"/>
-              </a:lnSpc>
               <a:spcBef>
                 <a:spcPts val="283"/>
               </a:spcBef>
@@ -9017,7 +8781,7 @@
         <p:spPr>
           <a:xfrm>
             <a:off x="3124080" y="6356520"/>
-            <a:ext cx="2894040" cy="363600"/>
+            <a:ext cx="2893680" cy="363240"/>
           </a:xfrm>
           <a:prstGeom prst="rect">
             <a:avLst/>
@@ -9091,7 +8855,7 @@
         <p:spPr>
           <a:xfrm>
             <a:off x="6553080" y="6356520"/>
-            <a:ext cx="2132280" cy="363600"/>
+            <a:ext cx="2131920" cy="363240"/>
           </a:xfrm>
           <a:prstGeom prst="rect">
             <a:avLst/>
@@ -9133,7 +8897,7 @@
                 <a:tab algn="l" pos="0"/>
               </a:tabLst>
             </a:pPr>
-            <a:fld id="{55461E16-EFA6-4C1D-8956-F3FE6B838A6B}" type="slidenum">
+            <a:fld id="{67328606-8131-44D8-9204-46D4DE05470F}" type="slidenum">
               <a:rPr b="0" lang="ru-RU" sz="1200" spc="-1" strike="noStrike">
                 <a:solidFill>
                   <a:srgbClr val="8b8b8b"/>
@@ -9165,7 +8929,7 @@
         <p:spPr>
           <a:xfrm>
             <a:off x="457200" y="6356520"/>
-            <a:ext cx="2132280" cy="363600"/>
+            <a:ext cx="2131920" cy="363240"/>
           </a:xfrm>
           <a:prstGeom prst="rect">
             <a:avLst/>
@@ -9240,11 +9004,11 @@
             <a:noAutofit/>
           </a:bodyPr>
           <a:p>
-            <a:pPr indent="0">
+            <a:pPr indent="0" algn="ctr">
               <a:buNone/>
             </a:pPr>
             <a:r>
-              <a:rPr b="0" lang="ru-RU" sz="1800" spc="-1" strike="noStrike">
+              <a:rPr b="0" lang="ru-RU" sz="4400" spc="-1" strike="noStrike">
                 <a:solidFill>
                   <a:srgbClr val="000000"/>
                 </a:solidFill>
@@ -9252,7 +9016,7 @@
               </a:rPr>
               <a:t>Для правки текста заглавия щёлкните мышью</a:t>
             </a:r>
-            <a:endParaRPr b="0" lang="ru-RU" sz="1800" spc="-1" strike="noStrike">
+            <a:endParaRPr b="0" lang="ru-RU" sz="4400" spc="-1" strike="noStrike">
               <a:solidFill>
                 <a:srgbClr val="000000"/>
               </a:solidFill>
@@ -9290,9 +9054,6 @@
           </a:bodyPr>
           <a:p>
             <a:pPr marL="432000" indent="-324000">
-              <a:lnSpc>
-                <a:spcPct val="90000"/>
-              </a:lnSpc>
               <a:spcBef>
                 <a:spcPts val="1417"/>
               </a:spcBef>
@@ -9302,6 +9063,34 @@
               <a:buSzPct val="45000"/>
               <a:buFont typeface="Wingdings" charset="2"/>
               <a:buChar char=""/>
+            </a:pPr>
+            <a:r>
+              <a:rPr b="0" lang="ru-RU" sz="3200" spc="-1" strike="noStrike">
+                <a:solidFill>
+                  <a:srgbClr val="000000"/>
+                </a:solidFill>
+                <a:latin typeface="Arial"/>
+              </a:rPr>
+              <a:t>Для правки структуры щёлкните мышью</a:t>
+            </a:r>
+            <a:endParaRPr b="0" lang="ru-RU" sz="3200" spc="-1" strike="noStrike">
+              <a:solidFill>
+                <a:srgbClr val="000000"/>
+              </a:solidFill>
+              <a:latin typeface="Arial"/>
+            </a:endParaRPr>
+          </a:p>
+          <a:p>
+            <a:pPr lvl="1" marL="864000" indent="-324000">
+              <a:spcBef>
+                <a:spcPts val="1134"/>
+              </a:spcBef>
+              <a:buClr>
+                <a:srgbClr val="000000"/>
+              </a:buClr>
+              <a:buSzPct val="75000"/>
+              <a:buFont typeface="Symbol" charset="2"/>
+              <a:buChar char=""/>
             </a:pPr>
             <a:r>
               <a:rPr b="0" lang="ru-RU" sz="2800" spc="-1" strike="noStrike">
@@ -9310,7 +9099,7 @@
                 </a:solidFill>
                 <a:latin typeface="Arial"/>
               </a:rPr>
-              <a:t>Для правки структуры щёлкните мышью</a:t>
+              <a:t>Второй уровень структуры</a:t>
             </a:r>
             <a:endParaRPr b="0" lang="ru-RU" sz="2800" spc="-1" strike="noStrike">
               <a:solidFill>
@@ -9320,12 +9109,37 @@
             </a:endParaRPr>
           </a:p>
           <a:p>
-            <a:pPr lvl="1" marL="864000" indent="-324000">
-              <a:lnSpc>
-                <a:spcPct val="90000"/>
-              </a:lnSpc>
+            <a:pPr lvl="2" marL="1296000" indent="-288000">
               <a:spcBef>
-                <a:spcPts val="1134"/>
+                <a:spcPts val="850"/>
+              </a:spcBef>
+              <a:buClr>
+                <a:srgbClr val="000000"/>
+              </a:buClr>
+              <a:buSzPct val="45000"/>
+              <a:buFont typeface="Wingdings" charset="2"/>
+              <a:buChar char=""/>
+            </a:pPr>
+            <a:r>
+              <a:rPr b="0" lang="ru-RU" sz="2400" spc="-1" strike="noStrike">
+                <a:solidFill>
+                  <a:srgbClr val="000000"/>
+                </a:solidFill>
+                <a:latin typeface="Arial"/>
+              </a:rPr>
+              <a:t>Третий уровень структуры</a:t>
+            </a:r>
+            <a:endParaRPr b="0" lang="ru-RU" sz="2400" spc="-1" strike="noStrike">
+              <a:solidFill>
+                <a:srgbClr val="000000"/>
+              </a:solidFill>
+              <a:latin typeface="Arial"/>
+            </a:endParaRPr>
+          </a:p>
+          <a:p>
+            <a:pPr lvl="3" marL="1728000" indent="-216000">
+              <a:spcBef>
+                <a:spcPts val="567"/>
               </a:spcBef>
               <a:buClr>
                 <a:srgbClr val="000000"/>
@@ -9341,7 +9155,7 @@
                 </a:solidFill>
                 <a:latin typeface="Arial"/>
               </a:rPr>
-              <a:t>Второй уровень структуры</a:t>
+              <a:t>Четвёртый уровень структуры</a:t>
             </a:r>
             <a:endParaRPr b="0" lang="ru-RU" sz="2000" spc="-1" strike="noStrike">
               <a:solidFill>
@@ -9351,72 +9165,7 @@
             </a:endParaRPr>
           </a:p>
           <a:p>
-            <a:pPr lvl="2" marL="1296000" indent="-288000">
-              <a:lnSpc>
-                <a:spcPct val="90000"/>
-              </a:lnSpc>
-              <a:spcBef>
-                <a:spcPts val="850"/>
-              </a:spcBef>
-              <a:buClr>
-                <a:srgbClr val="000000"/>
-              </a:buClr>
-              <a:buSzPct val="45000"/>
-              <a:buFont typeface="Wingdings" charset="2"/>
-              <a:buChar char=""/>
-            </a:pPr>
-            <a:r>
-              <a:rPr b="0" lang="ru-RU" sz="1800" spc="-1" strike="noStrike">
-                <a:solidFill>
-                  <a:srgbClr val="000000"/>
-                </a:solidFill>
-                <a:latin typeface="Arial"/>
-              </a:rPr>
-              <a:t>Третий уровень структуры</a:t>
-            </a:r>
-            <a:endParaRPr b="0" lang="ru-RU" sz="1800" spc="-1" strike="noStrike">
-              <a:solidFill>
-                <a:srgbClr val="000000"/>
-              </a:solidFill>
-              <a:latin typeface="Arial"/>
-            </a:endParaRPr>
-          </a:p>
-          <a:p>
-            <a:pPr lvl="3" marL="1728000" indent="-216000">
-              <a:lnSpc>
-                <a:spcPct val="90000"/>
-              </a:lnSpc>
-              <a:spcBef>
-                <a:spcPts val="567"/>
-              </a:spcBef>
-              <a:buClr>
-                <a:srgbClr val="000000"/>
-              </a:buClr>
-              <a:buSzPct val="75000"/>
-              <a:buFont typeface="Symbol" charset="2"/>
-              <a:buChar char=""/>
-            </a:pPr>
-            <a:r>
-              <a:rPr b="0" lang="ru-RU" sz="1800" spc="-1" strike="noStrike">
-                <a:solidFill>
-                  <a:srgbClr val="000000"/>
-                </a:solidFill>
-                <a:latin typeface="Arial"/>
-              </a:rPr>
-              <a:t>Четвёртый уровень структуры</a:t>
-            </a:r>
-            <a:endParaRPr b="0" lang="ru-RU" sz="1800" spc="-1" strike="noStrike">
-              <a:solidFill>
-                <a:srgbClr val="000000"/>
-              </a:solidFill>
-              <a:latin typeface="Arial"/>
-            </a:endParaRPr>
-          </a:p>
-          <a:p>
             <a:pPr lvl="4" marL="2160000" indent="-216000">
-              <a:lnSpc>
-                <a:spcPct val="90000"/>
-              </a:lnSpc>
               <a:spcBef>
                 <a:spcPts val="283"/>
               </a:spcBef>
@@ -9445,9 +9194,6 @@
           </a:p>
           <a:p>
             <a:pPr lvl="5" marL="2592000" indent="-216000">
-              <a:lnSpc>
-                <a:spcPct val="90000"/>
-              </a:lnSpc>
               <a:spcBef>
                 <a:spcPts val="283"/>
               </a:spcBef>
@@ -9476,9 +9222,6 @@
           </a:p>
           <a:p>
             <a:pPr lvl="6" marL="3024000" indent="-216000">
-              <a:lnSpc>
-                <a:spcPct val="90000"/>
-              </a:lnSpc>
               <a:spcBef>
                 <a:spcPts val="283"/>
               </a:spcBef>
@@ -9564,7 +9307,7 @@
         <p:spPr>
           <a:xfrm>
             <a:off x="3124080" y="6356520"/>
-            <a:ext cx="2894040" cy="363600"/>
+            <a:ext cx="2893680" cy="363240"/>
           </a:xfrm>
           <a:prstGeom prst="rect">
             <a:avLst/>
@@ -9638,7 +9381,7 @@
         <p:spPr>
           <a:xfrm>
             <a:off x="6553080" y="6356520"/>
-            <a:ext cx="2132280" cy="363600"/>
+            <a:ext cx="2131920" cy="363240"/>
           </a:xfrm>
           <a:prstGeom prst="rect">
             <a:avLst/>
@@ -9680,7 +9423,7 @@
                 <a:tab algn="l" pos="0"/>
               </a:tabLst>
             </a:pPr>
-            <a:fld id="{88089965-2A9F-4780-81FF-9B922AE7F2FF}" type="slidenum">
+            <a:fld id="{079F3D47-EA57-4DD5-ADED-AE8C4F147541}" type="slidenum">
               <a:rPr b="0" lang="ru-RU" sz="1200" spc="-1" strike="noStrike">
                 <a:solidFill>
                   <a:srgbClr val="8b8b8b"/>
@@ -9712,7 +9455,7 @@
         <p:spPr>
           <a:xfrm>
             <a:off x="457200" y="6356520"/>
-            <a:ext cx="2132280" cy="363600"/>
+            <a:ext cx="2131920" cy="363240"/>
           </a:xfrm>
           <a:prstGeom prst="rect">
             <a:avLst/>
@@ -9787,11 +9530,11 @@
             <a:noAutofit/>
           </a:bodyPr>
           <a:p>
-            <a:pPr indent="0">
+            <a:pPr indent="0" algn="ctr">
               <a:buNone/>
             </a:pPr>
             <a:r>
-              <a:rPr b="0" lang="ru-RU" sz="1800" spc="-1" strike="noStrike">
+              <a:rPr b="0" lang="ru-RU" sz="4400" spc="-1" strike="noStrike">
                 <a:solidFill>
                   <a:srgbClr val="000000"/>
                 </a:solidFill>
@@ -9799,7 +9542,7 @@
               </a:rPr>
               <a:t>Для правки текста заглавия щёлкните мышью</a:t>
             </a:r>
-            <a:endParaRPr b="0" lang="ru-RU" sz="1800" spc="-1" strike="noStrike">
+            <a:endParaRPr b="0" lang="ru-RU" sz="4400" spc="-1" strike="noStrike">
               <a:solidFill>
                 <a:srgbClr val="000000"/>
               </a:solidFill>
@@ -9837,9 +9580,6 @@
           </a:bodyPr>
           <a:p>
             <a:pPr marL="432000" indent="-324000">
-              <a:lnSpc>
-                <a:spcPct val="90000"/>
-              </a:lnSpc>
               <a:spcBef>
                 <a:spcPts val="1417"/>
               </a:spcBef>
@@ -9849,6 +9589,34 @@
               <a:buSzPct val="45000"/>
               <a:buFont typeface="Wingdings" charset="2"/>
               <a:buChar char=""/>
+            </a:pPr>
+            <a:r>
+              <a:rPr b="0" lang="ru-RU" sz="3200" spc="-1" strike="noStrike">
+                <a:solidFill>
+                  <a:srgbClr val="000000"/>
+                </a:solidFill>
+                <a:latin typeface="Arial"/>
+              </a:rPr>
+              <a:t>Для правки структуры щёлкните мышью</a:t>
+            </a:r>
+            <a:endParaRPr b="0" lang="ru-RU" sz="3200" spc="-1" strike="noStrike">
+              <a:solidFill>
+                <a:srgbClr val="000000"/>
+              </a:solidFill>
+              <a:latin typeface="Arial"/>
+            </a:endParaRPr>
+          </a:p>
+          <a:p>
+            <a:pPr lvl="1" marL="864000" indent="-324000">
+              <a:spcBef>
+                <a:spcPts val="1134"/>
+              </a:spcBef>
+              <a:buClr>
+                <a:srgbClr val="000000"/>
+              </a:buClr>
+              <a:buSzPct val="75000"/>
+              <a:buFont typeface="Symbol" charset="2"/>
+              <a:buChar char=""/>
             </a:pPr>
             <a:r>
               <a:rPr b="0" lang="ru-RU" sz="2800" spc="-1" strike="noStrike">
@@ -9857,7 +9625,7 @@
                 </a:solidFill>
                 <a:latin typeface="Arial"/>
               </a:rPr>
-              <a:t>Для правки структуры щёлкните мышью</a:t>
+              <a:t>Второй уровень структуры</a:t>
             </a:r>
             <a:endParaRPr b="0" lang="ru-RU" sz="2800" spc="-1" strike="noStrike">
               <a:solidFill>
@@ -9867,12 +9635,37 @@
             </a:endParaRPr>
           </a:p>
           <a:p>
-            <a:pPr lvl="1" marL="864000" indent="-324000">
-              <a:lnSpc>
-                <a:spcPct val="90000"/>
-              </a:lnSpc>
+            <a:pPr lvl="2" marL="1296000" indent="-288000">
               <a:spcBef>
-                <a:spcPts val="1134"/>
+                <a:spcPts val="850"/>
+              </a:spcBef>
+              <a:buClr>
+                <a:srgbClr val="000000"/>
+              </a:buClr>
+              <a:buSzPct val="45000"/>
+              <a:buFont typeface="Wingdings" charset="2"/>
+              <a:buChar char=""/>
+            </a:pPr>
+            <a:r>
+              <a:rPr b="0" lang="ru-RU" sz="2400" spc="-1" strike="noStrike">
+                <a:solidFill>
+                  <a:srgbClr val="000000"/>
+                </a:solidFill>
+                <a:latin typeface="Arial"/>
+              </a:rPr>
+              <a:t>Третий уровень структуры</a:t>
+            </a:r>
+            <a:endParaRPr b="0" lang="ru-RU" sz="2400" spc="-1" strike="noStrike">
+              <a:solidFill>
+                <a:srgbClr val="000000"/>
+              </a:solidFill>
+              <a:latin typeface="Arial"/>
+            </a:endParaRPr>
+          </a:p>
+          <a:p>
+            <a:pPr lvl="3" marL="1728000" indent="-216000">
+              <a:spcBef>
+                <a:spcPts val="567"/>
               </a:spcBef>
               <a:buClr>
                 <a:srgbClr val="000000"/>
@@ -9888,7 +9681,7 @@
                 </a:solidFill>
                 <a:latin typeface="Arial"/>
               </a:rPr>
-              <a:t>Второй уровень структуры</a:t>
+              <a:t>Четвёртый уровень структуры</a:t>
             </a:r>
             <a:endParaRPr b="0" lang="ru-RU" sz="2000" spc="-1" strike="noStrike">
               <a:solidFill>
@@ -9898,72 +9691,7 @@
             </a:endParaRPr>
           </a:p>
           <a:p>
-            <a:pPr lvl="2" marL="1296000" indent="-288000">
-              <a:lnSpc>
-                <a:spcPct val="90000"/>
-              </a:lnSpc>
-              <a:spcBef>
-                <a:spcPts val="850"/>
-              </a:spcBef>
-              <a:buClr>
-                <a:srgbClr val="000000"/>
-              </a:buClr>
-              <a:buSzPct val="45000"/>
-              <a:buFont typeface="Wingdings" charset="2"/>
-              <a:buChar char=""/>
-            </a:pPr>
-            <a:r>
-              <a:rPr b="0" lang="ru-RU" sz="1800" spc="-1" strike="noStrike">
-                <a:solidFill>
-                  <a:srgbClr val="000000"/>
-                </a:solidFill>
-                <a:latin typeface="Arial"/>
-              </a:rPr>
-              <a:t>Третий уровень структуры</a:t>
-            </a:r>
-            <a:endParaRPr b="0" lang="ru-RU" sz="1800" spc="-1" strike="noStrike">
-              <a:solidFill>
-                <a:srgbClr val="000000"/>
-              </a:solidFill>
-              <a:latin typeface="Arial"/>
-            </a:endParaRPr>
-          </a:p>
-          <a:p>
-            <a:pPr lvl="3" marL="1728000" indent="-216000">
-              <a:lnSpc>
-                <a:spcPct val="90000"/>
-              </a:lnSpc>
-              <a:spcBef>
-                <a:spcPts val="567"/>
-              </a:spcBef>
-              <a:buClr>
-                <a:srgbClr val="000000"/>
-              </a:buClr>
-              <a:buSzPct val="75000"/>
-              <a:buFont typeface="Symbol" charset="2"/>
-              <a:buChar char=""/>
-            </a:pPr>
-            <a:r>
-              <a:rPr b="0" lang="ru-RU" sz="1800" spc="-1" strike="noStrike">
-                <a:solidFill>
-                  <a:srgbClr val="000000"/>
-                </a:solidFill>
-                <a:latin typeface="Arial"/>
-              </a:rPr>
-              <a:t>Четвёртый уровень структуры</a:t>
-            </a:r>
-            <a:endParaRPr b="0" lang="ru-RU" sz="1800" spc="-1" strike="noStrike">
-              <a:solidFill>
-                <a:srgbClr val="000000"/>
-              </a:solidFill>
-              <a:latin typeface="Arial"/>
-            </a:endParaRPr>
-          </a:p>
-          <a:p>
             <a:pPr lvl="4" marL="2160000" indent="-216000">
-              <a:lnSpc>
-                <a:spcPct val="90000"/>
-              </a:lnSpc>
               <a:spcBef>
                 <a:spcPts val="283"/>
               </a:spcBef>
@@ -9992,9 +9720,6 @@
           </a:p>
           <a:p>
             <a:pPr lvl="5" marL="2592000" indent="-216000">
-              <a:lnSpc>
-                <a:spcPct val="90000"/>
-              </a:lnSpc>
               <a:spcBef>
                 <a:spcPts val="283"/>
               </a:spcBef>
@@ -10023,9 +9748,6 @@
           </a:p>
           <a:p>
             <a:pPr lvl="6" marL="3024000" indent="-216000">
-              <a:lnSpc>
-                <a:spcPct val="90000"/>
-              </a:lnSpc>
               <a:spcBef>
                 <a:spcPts val="283"/>
               </a:spcBef>
@@ -10099,13 +9821,13 @@
         </p:nvPicPr>
         <p:blipFill>
           <a:blip r:embed="rId1"/>
-          <a:srcRect l="9430" t="35730" r="66277" b="19241"/>
+          <a:srcRect l="9430" t="35726" r="66270" b="19241"/>
           <a:stretch/>
         </p:blipFill>
         <p:spPr>
           <a:xfrm>
             <a:off x="253080" y="4430880"/>
-            <a:ext cx="1941840" cy="1936800"/>
+            <a:ext cx="1941480" cy="1936440"/>
           </a:xfrm>
           <a:prstGeom prst="rect">
             <a:avLst/>
@@ -10124,7 +9846,7 @@
         <p:spPr>
           <a:xfrm>
             <a:off x="3748680" y="5663160"/>
-            <a:ext cx="4765680" cy="367920"/>
+            <a:ext cx="4765320" cy="367560"/>
           </a:xfrm>
           <a:prstGeom prst="rect">
             <a:avLst/>
@@ -10176,7 +9898,7 @@
         <p:spPr>
           <a:xfrm>
             <a:off x="592560" y="3600000"/>
-            <a:ext cx="7866720" cy="367920"/>
+            <a:ext cx="7866360" cy="367560"/>
           </a:xfrm>
           <a:prstGeom prst="rect">
             <a:avLst/>
@@ -10195,7 +9917,7 @@
         <p:spPr>
           <a:xfrm>
             <a:off x="240120" y="439200"/>
-            <a:ext cx="8242920" cy="684000"/>
+            <a:ext cx="8242560" cy="684000"/>
           </a:xfrm>
           <a:prstGeom prst="rect">
             <a:avLst/>
@@ -10282,7 +10004,7 @@
         <p:spPr>
           <a:xfrm>
             <a:off x="4500000" y="4469400"/>
-            <a:ext cx="3959280" cy="2009880"/>
+            <a:ext cx="3958920" cy="2009880"/>
           </a:xfrm>
           <a:prstGeom prst="rect">
             <a:avLst/>
@@ -10444,7 +10166,7 @@
         <p:spPr>
           <a:xfrm>
             <a:off x="592560" y="1751400"/>
-            <a:ext cx="7866720" cy="1308600"/>
+            <a:ext cx="7866360" cy="1308600"/>
           </a:xfrm>
           <a:prstGeom prst="rect">
             <a:avLst/>
@@ -10555,7 +10277,7 @@
         <p:spPr>
           <a:xfrm>
             <a:off x="-720" y="0"/>
-            <a:ext cx="9140760" cy="6417720"/>
+            <a:ext cx="9140400" cy="6417360"/>
           </a:xfrm>
           <a:prstGeom prst="rect">
             <a:avLst/>
@@ -10574,7 +10296,7 @@
         <p:spPr>
           <a:xfrm>
             <a:off x="2195640" y="311760"/>
-            <a:ext cx="5551560" cy="577080"/>
+            <a:ext cx="5551200" cy="577080"/>
           </a:xfrm>
           <a:prstGeom prst="rect">
             <a:avLst/>
@@ -10632,7 +10354,7 @@
         <p:spPr>
           <a:xfrm>
             <a:off x="745560" y="1711800"/>
-            <a:ext cx="7652880" cy="4029840"/>
+            <a:ext cx="7652520" cy="4029480"/>
           </a:xfrm>
           <a:prstGeom prst="rect">
             <a:avLst/>
@@ -10689,7 +10411,7 @@
         <p:spPr>
           <a:xfrm>
             <a:off x="-720" y="0"/>
-            <a:ext cx="9140760" cy="6417720"/>
+            <a:ext cx="9140400" cy="6417360"/>
           </a:xfrm>
           <a:prstGeom prst="rect">
             <a:avLst/>
@@ -10708,7 +10430,7 @@
         <p:spPr>
           <a:xfrm>
             <a:off x="2411640" y="296280"/>
-            <a:ext cx="5407560" cy="577080"/>
+            <a:ext cx="5407200" cy="577080"/>
           </a:xfrm>
           <a:prstGeom prst="rect">
             <a:avLst/>
@@ -10766,7 +10488,7 @@
         <p:spPr>
           <a:xfrm>
             <a:off x="754200" y="1769040"/>
-            <a:ext cx="7634880" cy="3987000"/>
+            <a:ext cx="7634520" cy="3986640"/>
           </a:xfrm>
           <a:prstGeom prst="rect">
             <a:avLst/>
@@ -10823,7 +10545,7 @@
         <p:spPr>
           <a:xfrm>
             <a:off x="-720" y="0"/>
-            <a:ext cx="9140760" cy="6417720"/>
+            <a:ext cx="9140400" cy="6417360"/>
           </a:xfrm>
           <a:prstGeom prst="rect">
             <a:avLst/>
@@ -10842,7 +10564,7 @@
         <p:spPr>
           <a:xfrm>
             <a:off x="1584720" y="313920"/>
-            <a:ext cx="7206120" cy="577080"/>
+            <a:ext cx="7205760" cy="577080"/>
           </a:xfrm>
           <a:prstGeom prst="rect">
             <a:avLst/>
@@ -10900,7 +10622,7 @@
         <p:spPr>
           <a:xfrm>
             <a:off x="736560" y="1659960"/>
-            <a:ext cx="7670520" cy="4008960"/>
+            <a:ext cx="7670160" cy="4008600"/>
           </a:xfrm>
           <a:prstGeom prst="rect">
             <a:avLst/>
@@ -10957,7 +10679,7 @@
         <p:spPr>
           <a:xfrm>
             <a:off x="0" y="1440"/>
-            <a:ext cx="9142560" cy="6454800"/>
+            <a:ext cx="9142200" cy="6454440"/>
           </a:xfrm>
           <a:prstGeom prst="rect">
             <a:avLst/>
@@ -10976,7 +10698,7 @@
         <p:spPr>
           <a:xfrm>
             <a:off x="3230280" y="234720"/>
-            <a:ext cx="4246920" cy="577080"/>
+            <a:ext cx="4246560" cy="577080"/>
           </a:xfrm>
           <a:prstGeom prst="rect">
             <a:avLst/>
@@ -11034,7 +10756,7 @@
         <p:spPr>
           <a:xfrm>
             <a:off x="1003320" y="1620720"/>
-            <a:ext cx="7146000" cy="4283280"/>
+            <a:ext cx="7145640" cy="4282920"/>
           </a:xfrm>
           <a:prstGeom prst="rect">
             <a:avLst/>
@@ -11091,7 +10813,7 @@
         <p:spPr>
           <a:xfrm>
             <a:off x="0" y="0"/>
-            <a:ext cx="9145800" cy="6449040"/>
+            <a:ext cx="9145440" cy="6448680"/>
           </a:xfrm>
           <a:prstGeom prst="rect">
             <a:avLst/>
@@ -11110,7 +10832,7 @@
         <p:spPr>
           <a:xfrm>
             <a:off x="1187280" y="2060640"/>
-            <a:ext cx="6767640" cy="3527640"/>
+            <a:ext cx="6767280" cy="3527280"/>
           </a:xfrm>
           <a:prstGeom prst="rect">
             <a:avLst/>
@@ -11158,7 +10880,7 @@
         <p:spPr>
           <a:xfrm>
             <a:off x="755640" y="3051000"/>
-            <a:ext cx="183240" cy="367920"/>
+            <a:ext cx="182880" cy="367560"/>
           </a:xfrm>
           <a:prstGeom prst="rect">
             <a:avLst/>
@@ -11203,7 +10925,7 @@
         <p:spPr>
           <a:xfrm>
             <a:off x="1836000" y="357120"/>
-            <a:ext cx="6119280" cy="561960"/>
+            <a:ext cx="6118920" cy="561960"/>
           </a:xfrm>
           <a:prstGeom prst="rect">
             <a:avLst/>
@@ -11260,7 +10982,7 @@
         <p:spPr>
           <a:xfrm>
             <a:off x="2754000" y="4437000"/>
-            <a:ext cx="4570560" cy="367920"/>
+            <a:ext cx="4570200" cy="367560"/>
           </a:xfrm>
           <a:prstGeom prst="rect">
             <a:avLst/>
@@ -11308,7 +11030,7 @@
         <p:spPr>
           <a:xfrm>
             <a:off x="323640" y="2007000"/>
-            <a:ext cx="8804880" cy="3381480"/>
+            <a:ext cx="8804520" cy="3381480"/>
           </a:xfrm>
           <a:prstGeom prst="rect">
             <a:avLst/>
@@ -11433,7 +11155,7 @@
         <p:spPr>
           <a:xfrm>
             <a:off x="3960" y="0"/>
-            <a:ext cx="9140760" cy="6417720"/>
+            <a:ext cx="9140400" cy="6417360"/>
           </a:xfrm>
           <a:prstGeom prst="rect">
             <a:avLst/>
@@ -11452,7 +11174,7 @@
         <p:spPr>
           <a:xfrm>
             <a:off x="2483640" y="296280"/>
-            <a:ext cx="5301000" cy="577080"/>
+            <a:ext cx="5300640" cy="577080"/>
           </a:xfrm>
           <a:prstGeom prst="rect">
             <a:avLst/>
@@ -11506,7 +11228,7 @@
         <p:spPr>
           <a:xfrm>
             <a:off x="251640" y="1556640"/>
-            <a:ext cx="8639640" cy="2375640"/>
+            <a:ext cx="8639280" cy="2375640"/>
           </a:xfrm>
           <a:prstGeom prst="rect">
             <a:avLst/>
@@ -11639,7 +11361,7 @@
         <p:spPr>
           <a:xfrm>
             <a:off x="0" y="0"/>
-            <a:ext cx="9140040" cy="6432480"/>
+            <a:ext cx="9139680" cy="6432120"/>
           </a:xfrm>
           <a:prstGeom prst="rect">
             <a:avLst/>
@@ -11658,7 +11380,7 @@
         <p:spPr>
           <a:xfrm>
             <a:off x="1187280" y="2060640"/>
-            <a:ext cx="6767640" cy="3527640"/>
+            <a:ext cx="6767280" cy="3527280"/>
           </a:xfrm>
           <a:prstGeom prst="rect">
             <a:avLst/>
@@ -11709,7 +11431,7 @@
         <p:spPr>
           <a:xfrm>
             <a:off x="2339640" y="336240"/>
-            <a:ext cx="4895280" cy="576720"/>
+            <a:ext cx="4894920" cy="576720"/>
           </a:xfrm>
           <a:prstGeom prst="rect">
             <a:avLst/>
@@ -11766,7 +11488,7 @@
         <p:spPr>
           <a:xfrm>
             <a:off x="107640" y="1700640"/>
-            <a:ext cx="8927640" cy="4204440"/>
+            <a:ext cx="8927280" cy="4204440"/>
           </a:xfrm>
           <a:prstGeom prst="rect">
             <a:avLst/>
@@ -11947,7 +11669,7 @@
         <p:spPr>
           <a:xfrm>
             <a:off x="0" y="0"/>
-            <a:ext cx="9140040" cy="6432480"/>
+            <a:ext cx="9139680" cy="6432120"/>
           </a:xfrm>
           <a:prstGeom prst="rect">
             <a:avLst/>
@@ -11966,7 +11688,7 @@
         <p:spPr>
           <a:xfrm>
             <a:off x="1187280" y="2060640"/>
-            <a:ext cx="6767640" cy="3527640"/>
+            <a:ext cx="6767280" cy="3527280"/>
           </a:xfrm>
           <a:prstGeom prst="rect">
             <a:avLst/>
@@ -12017,7 +11739,7 @@
         <p:spPr>
           <a:xfrm>
             <a:off x="2339640" y="336240"/>
-            <a:ext cx="4895280" cy="576720"/>
+            <a:ext cx="4894920" cy="576720"/>
           </a:xfrm>
           <a:prstGeom prst="rect">
             <a:avLst/>
@@ -12074,7 +11796,7 @@
         <p:spPr>
           <a:xfrm>
             <a:off x="107640" y="1700640"/>
-            <a:ext cx="8927640" cy="4204440"/>
+            <a:ext cx="8927280" cy="4204440"/>
           </a:xfrm>
           <a:prstGeom prst="rect">
             <a:avLst/>
@@ -12335,7 +12057,7 @@
         <p:spPr>
           <a:xfrm>
             <a:off x="0" y="-36720"/>
-            <a:ext cx="9140760" cy="6417720"/>
+            <a:ext cx="9140400" cy="6417360"/>
           </a:xfrm>
           <a:prstGeom prst="rect">
             <a:avLst/>
@@ -12354,7 +12076,7 @@
         <p:spPr>
           <a:xfrm>
             <a:off x="3770280" y="271800"/>
-            <a:ext cx="3162600" cy="577080"/>
+            <a:ext cx="3162240" cy="577080"/>
           </a:xfrm>
           <a:prstGeom prst="rect">
             <a:avLst/>
@@ -12407,8 +12129,8 @@
         </p:nvSpPr>
         <p:spPr>
           <a:xfrm>
-            <a:off x="347400" y="1531080"/>
-            <a:ext cx="6483240" cy="1614240"/>
+            <a:off x="346680" y="1531080"/>
+            <a:ext cx="6484320" cy="1614240"/>
           </a:xfrm>
           <a:prstGeom prst="rect">
             <a:avLst/>
@@ -12443,45 +12165,6 @@
                 <a:ea typeface="DejaVu Sans"/>
               </a:rPr>
               <a:t>Ссылка на видео-демонстрацию проектной работы –</a:t>
-            </a:r>
-            <a:br>
-              <a:rPr sz="2000"/>
-            </a:br>
-            <a:endParaRPr b="0" lang="ru-RU" sz="2000" spc="-1" strike="noStrike">
-              <a:solidFill>
-                <a:srgbClr val="000000"/>
-              </a:solidFill>
-              <a:latin typeface="Arial"/>
-            </a:endParaRPr>
-          </a:p>
-          <a:p>
-            <a:pPr>
-              <a:lnSpc>
-                <a:spcPct val="100000"/>
-              </a:lnSpc>
-            </a:pPr>
-            <a:endParaRPr b="0" lang="ru-RU" sz="2000" spc="-1" strike="noStrike">
-              <a:solidFill>
-                <a:srgbClr val="000000"/>
-              </a:solidFill>
-              <a:latin typeface="Arial"/>
-            </a:endParaRPr>
-          </a:p>
-          <a:p>
-            <a:pPr>
-              <a:lnSpc>
-                <a:spcPct val="100000"/>
-              </a:lnSpc>
-            </a:pPr>
-            <a:r>
-              <a:rPr b="0" lang="ru-RU" sz="2000" spc="-1" strike="noStrike">
-                <a:solidFill>
-                  <a:srgbClr val="00204f"/>
-                </a:solidFill>
-                <a:latin typeface="Arial"/>
-                <a:ea typeface="DejaVu Sans"/>
-              </a:rPr>
-              <a:t>Ссылка на репозиторий с проектом –</a:t>
             </a:r>
             <a:br>
               <a:rPr sz="2000"/>
@@ -12496,8 +12179,47 @@
                 <a:ea typeface="DejaVu Sans"/>
                 <a:hlinkClick r:id="rId2"/>
               </a:rPr>
-              <a:t>https://github.com/JaydenPears/</a:t>
-            </a:r>
+              <a:t>https://youtu.be/jbZsGK7djtw</a:t>
+            </a:r>
+            <a:endParaRPr b="0" lang="ru-RU" sz="2000" spc="-1" strike="noStrike">
+              <a:solidFill>
+                <a:srgbClr val="000000"/>
+              </a:solidFill>
+              <a:latin typeface="Arial"/>
+            </a:endParaRPr>
+          </a:p>
+          <a:p>
+            <a:pPr>
+              <a:lnSpc>
+                <a:spcPct val="100000"/>
+              </a:lnSpc>
+            </a:pPr>
+            <a:endParaRPr b="0" lang="ru-RU" sz="2000" spc="-1" strike="noStrike">
+              <a:solidFill>
+                <a:srgbClr val="000000"/>
+              </a:solidFill>
+              <a:latin typeface="Arial"/>
+            </a:endParaRPr>
+          </a:p>
+          <a:p>
+            <a:pPr>
+              <a:lnSpc>
+                <a:spcPct val="100000"/>
+              </a:lnSpc>
+            </a:pPr>
+            <a:r>
+              <a:rPr b="0" lang="ru-RU" sz="2000" spc="-1" strike="noStrike">
+                <a:solidFill>
+                  <a:srgbClr val="00204f"/>
+                </a:solidFill>
+                <a:latin typeface="Arial"/>
+                <a:ea typeface="DejaVu Sans"/>
+              </a:rPr>
+              <a:t>Ссылка на репозиторий с проектом –</a:t>
+            </a:r>
+            <a:br>
+              <a:rPr sz="2000"/>
+            </a:br>
             <a:r>
               <a:rPr b="0" lang="ru-RU" sz="2000" spc="-1" strike="noStrike" u="sng">
                 <a:solidFill>
@@ -12508,6 +12230,18 @@
                 <a:ea typeface="DejaVu Sans"/>
                 <a:hlinkClick r:id="rId3"/>
               </a:rPr>
+              <a:t>https://github.com/JaydenPears/</a:t>
+            </a:r>
+            <a:r>
+              <a:rPr b="0" lang="ru-RU" sz="2000" spc="-1" strike="noStrike" u="sng">
+                <a:solidFill>
+                  <a:srgbClr val="0000ff"/>
+                </a:solidFill>
+                <a:uFillTx/>
+                <a:latin typeface="Arial"/>
+                <a:ea typeface="DejaVu Sans"/>
+                <a:hlinkClick r:id="rId4"/>
+              </a:rPr>
               <a:t>lms</a:t>
             </a:r>
             <a:endParaRPr b="0" lang="ru-RU" sz="2000" spc="-1" strike="noStrike">
@@ -12528,7 +12262,7 @@
         <p:spPr>
           <a:xfrm>
             <a:off x="338040" y="3285000"/>
-            <a:ext cx="3998880" cy="699480"/>
+            <a:ext cx="3998520" cy="699480"/>
           </a:xfrm>
           <a:prstGeom prst="rect">
             <a:avLst/>
@@ -12625,7 +12359,7 @@
         <p:spPr>
           <a:xfrm>
             <a:off x="5448960" y="3470040"/>
-            <a:ext cx="2748240" cy="363960"/>
+            <a:ext cx="2747880" cy="363960"/>
           </a:xfrm>
           <a:prstGeom prst="rect">
             <a:avLst/>
@@ -12687,13 +12421,36 @@
           <p:nvPr/>
         </p:nvPicPr>
         <p:blipFill>
-          <a:blip r:embed="rId4"/>
+          <a:blip r:embed="rId5"/>
           <a:stretch/>
         </p:blipFill>
         <p:spPr>
           <a:xfrm>
             <a:off x="5771160" y="3809880"/>
-            <a:ext cx="2120040" cy="2120040"/>
+            <a:ext cx="2119680" cy="2119680"/>
+          </a:xfrm>
+          <a:prstGeom prst="rect">
+            <a:avLst/>
+          </a:prstGeom>
+          <a:ln w="0">
+            <a:noFill/>
+          </a:ln>
+        </p:spPr>
+      </p:pic>
+      <p:pic>
+        <p:nvPicPr>
+          <p:cNvPr id="216" name="" descr=""/>
+          <p:cNvPicPr/>
+          <p:nvPr/>
+        </p:nvPicPr>
+        <p:blipFill>
+          <a:blip r:embed="rId6"/>
+          <a:stretch/>
+        </p:blipFill>
+        <p:spPr>
+          <a:xfrm>
+            <a:off x="2760840" y="3660840"/>
+            <a:ext cx="2279160" cy="2279160"/>
           </a:xfrm>
           <a:prstGeom prst="rect">
             <a:avLst/>
@@ -12750,7 +12507,7 @@
         <p:spPr>
           <a:xfrm>
             <a:off x="0" y="0"/>
-            <a:ext cx="9144360" cy="6432480"/>
+            <a:ext cx="9144000" cy="6432120"/>
           </a:xfrm>
           <a:prstGeom prst="rect">
             <a:avLst/>
@@ -12769,7 +12526,7 @@
         <p:spPr>
           <a:xfrm>
             <a:off x="1187280" y="2060640"/>
-            <a:ext cx="6767640" cy="3527640"/>
+            <a:ext cx="6767280" cy="3527280"/>
           </a:xfrm>
           <a:prstGeom prst="rect">
             <a:avLst/>
@@ -12817,7 +12574,7 @@
         <p:spPr>
           <a:xfrm>
             <a:off x="755640" y="3051000"/>
-            <a:ext cx="183240" cy="367920"/>
+            <a:ext cx="182880" cy="367560"/>
           </a:xfrm>
           <a:prstGeom prst="rect">
             <a:avLst/>
@@ -12862,7 +12619,7 @@
         <p:spPr>
           <a:xfrm>
             <a:off x="1979640" y="252000"/>
-            <a:ext cx="6119280" cy="577080"/>
+            <a:ext cx="6118920" cy="577080"/>
           </a:xfrm>
           <a:prstGeom prst="rect">
             <a:avLst/>
@@ -12939,7 +12696,7 @@
         <p:spPr>
           <a:xfrm>
             <a:off x="428760" y="2450880"/>
-            <a:ext cx="8243280" cy="3290040"/>
+            <a:ext cx="8242920" cy="3290040"/>
           </a:xfrm>
           <a:prstGeom prst="rect">
             <a:avLst/>
@@ -13054,7 +12811,7 @@
         <p:spPr>
           <a:xfrm>
             <a:off x="532440" y="1556640"/>
-            <a:ext cx="8288640" cy="516240"/>
+            <a:ext cx="8288280" cy="516240"/>
           </a:xfrm>
           <a:prstGeom prst="rect">
             <a:avLst/>
@@ -13146,7 +12903,7 @@
         <p:spPr>
           <a:xfrm>
             <a:off x="0" y="0"/>
-            <a:ext cx="9144360" cy="6432480"/>
+            <a:ext cx="9144000" cy="6432120"/>
           </a:xfrm>
           <a:prstGeom prst="rect">
             <a:avLst/>
@@ -13165,7 +12922,7 @@
         <p:spPr>
           <a:xfrm>
             <a:off x="1187280" y="2060640"/>
-            <a:ext cx="6767640" cy="3527640"/>
+            <a:ext cx="6767280" cy="3527280"/>
           </a:xfrm>
           <a:prstGeom prst="rect">
             <a:avLst/>
@@ -13213,7 +12970,7 @@
         <p:spPr>
           <a:xfrm>
             <a:off x="755640" y="3051000"/>
-            <a:ext cx="183240" cy="367920"/>
+            <a:ext cx="182880" cy="367560"/>
           </a:xfrm>
           <a:prstGeom prst="rect">
             <a:avLst/>
@@ -13258,7 +13015,7 @@
         <p:spPr>
           <a:xfrm>
             <a:off x="1979640" y="252000"/>
-            <a:ext cx="6119280" cy="577080"/>
+            <a:ext cx="6118920" cy="577080"/>
           </a:xfrm>
           <a:prstGeom prst="rect">
             <a:avLst/>
@@ -13335,7 +13092,7 @@
         <p:spPr>
           <a:xfrm>
             <a:off x="529920" y="1363680"/>
-            <a:ext cx="8403840" cy="4612680"/>
+            <a:ext cx="8403480" cy="4612680"/>
           </a:xfrm>
           <a:prstGeom prst="rect">
             <a:avLst/>
@@ -13374,27 +13131,7 @@
                 <a:latin typeface="Arial"/>
                 <a:ea typeface="DejaVu Sans"/>
               </a:rPr>
-              <a:t>Stepik </a:t>
-            </a:r>
-            <a:r>
-              <a:rPr b="0" lang="ru-RU" sz="2200" spc="-1" strike="noStrike">
-                <a:solidFill>
-                  <a:srgbClr val="00204f"/>
-                </a:solidFill>
-                <a:latin typeface="Arial"/>
-                <a:ea typeface="DejaVu Sans"/>
-              </a:rPr>
-              <a:t>–</a:t>
-            </a:r>
-            <a:r>
-              <a:rPr b="0" lang="ru-RU" sz="2200" spc="-1" strike="noStrike">
-                <a:solidFill>
-                  <a:srgbClr val="00204f"/>
-                </a:solidFill>
-                <a:latin typeface="Arial"/>
-                <a:ea typeface="DejaVu Sans"/>
-              </a:rPr>
-              <a:t> популярный сервис для частных образовательных учреждений для проведения курсов, то есть занятий.</a:t>
+              <a:t>Stepik – популярный сервис для частных образовательных учреждений для проведения курсов, то есть занятий.</a:t>
             </a:r>
             <a:endParaRPr b="0" lang="ru-RU" sz="2200" spc="-1" strike="noStrike">
               <a:solidFill>
@@ -13508,7 +13245,7 @@
         <p:spPr>
           <a:xfrm>
             <a:off x="1440" y="0"/>
-            <a:ext cx="9140040" cy="6432480"/>
+            <a:ext cx="9139680" cy="6432120"/>
           </a:xfrm>
           <a:prstGeom prst="rect">
             <a:avLst/>
@@ -13527,7 +13264,7 @@
         <p:spPr>
           <a:xfrm>
             <a:off x="1187280" y="2060640"/>
-            <a:ext cx="6767640" cy="3527640"/>
+            <a:ext cx="6767280" cy="3527280"/>
           </a:xfrm>
           <a:prstGeom prst="rect">
             <a:avLst/>
@@ -13578,7 +13315,7 @@
         <p:spPr>
           <a:xfrm>
             <a:off x="1691640" y="264240"/>
-            <a:ext cx="6047280" cy="576720"/>
+            <a:ext cx="6046920" cy="576720"/>
           </a:xfrm>
           <a:prstGeom prst="rect">
             <a:avLst/>
@@ -13635,7 +13372,7 @@
         <p:spPr>
           <a:xfrm>
             <a:off x="323640" y="1690920"/>
-            <a:ext cx="8495640" cy="3381480"/>
+            <a:ext cx="8495280" cy="3381480"/>
           </a:xfrm>
           <a:prstGeom prst="rect">
             <a:avLst/>
@@ -13674,27 +13411,7 @@
                 <a:latin typeface="Arial"/>
                 <a:ea typeface="DejaVu Sans"/>
               </a:rPr>
-              <a:t>Данная тема была выбрана в связи с личной заинтересованностью в решении </a:t>
-            </a:r>
-            <a:r>
-              <a:rPr b="0" lang="ru-RU" sz="2400" spc="-1" strike="noStrike">
-                <a:solidFill>
-                  <a:srgbClr val="001640"/>
-                </a:solidFill>
-                <a:latin typeface="Arial"/>
-                <a:ea typeface="DejaVu Sans"/>
-              </a:rPr>
-              <a:t>конкретно поставленной задачи в виде представления решения в формате веб-приложения, а именно: масштабируемого сервиса с возможностью интеграции в последующем новых функций в него.</a:t>
-            </a:r>
-            <a:r>
-              <a:rPr b="0" lang="ru-RU" sz="2400" spc="-1" strike="noStrike">
-                <a:solidFill>
-                  <a:srgbClr val="001640"/>
-                </a:solidFill>
-                <a:latin typeface="Arial"/>
-                <a:ea typeface="DejaVu Sans"/>
-              </a:rPr>
-              <a:t>  </a:t>
+              <a:t>Данная тема была выбрана в связи с личной заинтересованностью в решении конкретно поставленной задачи в виде представления решения в формате веб-приложения, а именно: масштабируемого сервиса с возможностью интеграции в последующем новых функций в него.  </a:t>
             </a:r>
             <a:endParaRPr b="0" lang="ru-RU" sz="2400" spc="-1" strike="noStrike">
               <a:solidFill>
@@ -13752,7 +13469,7 @@
         <p:spPr>
           <a:xfrm>
             <a:off x="-3240" y="0"/>
-            <a:ext cx="9145800" cy="6449040"/>
+            <a:ext cx="9145440" cy="6448680"/>
           </a:xfrm>
           <a:prstGeom prst="rect">
             <a:avLst/>
@@ -13771,7 +13488,7 @@
         <p:spPr>
           <a:xfrm>
             <a:off x="1187280" y="2060640"/>
-            <a:ext cx="6767640" cy="3527640"/>
+            <a:ext cx="6767280" cy="3527280"/>
           </a:xfrm>
           <a:prstGeom prst="rect">
             <a:avLst/>
@@ -13822,7 +13539,7 @@
         <p:spPr>
           <a:xfrm>
             <a:off x="755640" y="3051000"/>
-            <a:ext cx="183240" cy="367920"/>
+            <a:ext cx="182880" cy="367560"/>
           </a:xfrm>
           <a:prstGeom prst="rect">
             <a:avLst/>
@@ -13870,7 +13587,7 @@
         <p:spPr>
           <a:xfrm>
             <a:off x="2339640" y="287640"/>
-            <a:ext cx="5183280" cy="577080"/>
+            <a:ext cx="5182920" cy="577080"/>
           </a:xfrm>
           <a:prstGeom prst="rect">
             <a:avLst/>
@@ -13930,7 +13647,7 @@
         <p:spPr>
           <a:xfrm>
             <a:off x="2754000" y="4437000"/>
-            <a:ext cx="4570560" cy="367920"/>
+            <a:ext cx="4570200" cy="367560"/>
           </a:xfrm>
           <a:prstGeom prst="rect">
             <a:avLst/>
@@ -13978,7 +13695,7 @@
         <p:spPr>
           <a:xfrm>
             <a:off x="611640" y="1774440"/>
-            <a:ext cx="8091000" cy="3930120"/>
+            <a:ext cx="8090640" cy="3930120"/>
           </a:xfrm>
           <a:prstGeom prst="rect">
             <a:avLst/>
@@ -14080,7 +13797,7 @@
         <p:spPr>
           <a:xfrm>
             <a:off x="-3240" y="0"/>
-            <a:ext cx="9145800" cy="6449040"/>
+            <a:ext cx="9145440" cy="6448680"/>
           </a:xfrm>
           <a:prstGeom prst="rect">
             <a:avLst/>
@@ -14099,7 +13816,7 @@
         <p:spPr>
           <a:xfrm>
             <a:off x="1187280" y="2060640"/>
-            <a:ext cx="6767640" cy="3527640"/>
+            <a:ext cx="6767280" cy="3527280"/>
           </a:xfrm>
           <a:prstGeom prst="rect">
             <a:avLst/>
@@ -14150,7 +13867,7 @@
         <p:spPr>
           <a:xfrm>
             <a:off x="755640" y="3051000"/>
-            <a:ext cx="183240" cy="367920"/>
+            <a:ext cx="182880" cy="367560"/>
           </a:xfrm>
           <a:prstGeom prst="rect">
             <a:avLst/>
@@ -14198,7 +13915,7 @@
         <p:spPr>
           <a:xfrm>
             <a:off x="2339640" y="287640"/>
-            <a:ext cx="5183280" cy="577080"/>
+            <a:ext cx="5182920" cy="577080"/>
           </a:xfrm>
           <a:prstGeom prst="rect">
             <a:avLst/>
@@ -14258,7 +13975,7 @@
         <p:spPr>
           <a:xfrm>
             <a:off x="2754000" y="4437000"/>
-            <a:ext cx="4570560" cy="367920"/>
+            <a:ext cx="4570200" cy="367560"/>
           </a:xfrm>
           <a:prstGeom prst="rect">
             <a:avLst/>
@@ -14306,7 +14023,7 @@
         <p:spPr>
           <a:xfrm>
             <a:off x="323640" y="1700640"/>
-            <a:ext cx="8495640" cy="4478760"/>
+            <a:ext cx="8495280" cy="4478760"/>
           </a:xfrm>
           <a:prstGeom prst="rect">
             <a:avLst/>
@@ -14437,7 +14154,7 @@
         <p:spPr>
           <a:xfrm>
             <a:off x="-3240" y="0"/>
-            <a:ext cx="9145800" cy="6449040"/>
+            <a:ext cx="9145440" cy="6448680"/>
           </a:xfrm>
           <a:prstGeom prst="rect">
             <a:avLst/>
@@ -14456,7 +14173,7 @@
         <p:spPr>
           <a:xfrm>
             <a:off x="1187280" y="2060640"/>
-            <a:ext cx="6767640" cy="3527640"/>
+            <a:ext cx="6767280" cy="3527280"/>
           </a:xfrm>
           <a:prstGeom prst="rect">
             <a:avLst/>
@@ -14507,7 +14224,7 @@
         <p:spPr>
           <a:xfrm>
             <a:off x="755640" y="3051000"/>
-            <a:ext cx="183240" cy="367920"/>
+            <a:ext cx="182880" cy="367560"/>
           </a:xfrm>
           <a:prstGeom prst="rect">
             <a:avLst/>
@@ -14555,7 +14272,7 @@
         <p:spPr>
           <a:xfrm>
             <a:off x="2339640" y="287640"/>
-            <a:ext cx="5183280" cy="577080"/>
+            <a:ext cx="5182920" cy="577080"/>
           </a:xfrm>
           <a:prstGeom prst="rect">
             <a:avLst/>
@@ -14615,7 +14332,7 @@
         <p:spPr>
           <a:xfrm>
             <a:off x="2754000" y="4437000"/>
-            <a:ext cx="4570560" cy="367920"/>
+            <a:ext cx="4570200" cy="367560"/>
           </a:xfrm>
           <a:prstGeom prst="rect">
             <a:avLst/>
@@ -14663,7 +14380,7 @@
         <p:spPr>
           <a:xfrm>
             <a:off x="119160" y="1718280"/>
-            <a:ext cx="8682480" cy="2284920"/>
+            <a:ext cx="8682120" cy="2284200"/>
           </a:xfrm>
           <a:prstGeom prst="rect">
             <a:avLst/>
@@ -14763,7 +14480,7 @@
         <p:spPr>
           <a:xfrm>
             <a:off x="0" y="0"/>
-            <a:ext cx="9145800" cy="6449040"/>
+            <a:ext cx="9145440" cy="6448680"/>
           </a:xfrm>
           <a:prstGeom prst="rect">
             <a:avLst/>
@@ -14782,7 +14499,7 @@
         <p:spPr>
           <a:xfrm>
             <a:off x="1187280" y="2060640"/>
-            <a:ext cx="6767640" cy="3527640"/>
+            <a:ext cx="6767280" cy="3527280"/>
           </a:xfrm>
           <a:prstGeom prst="rect">
             <a:avLst/>
@@ -14830,7 +14547,7 @@
         <p:spPr>
           <a:xfrm>
             <a:off x="755640" y="3051000"/>
-            <a:ext cx="183240" cy="367920"/>
+            <a:ext cx="182880" cy="367560"/>
           </a:xfrm>
           <a:prstGeom prst="rect">
             <a:avLst/>
@@ -14875,7 +14592,7 @@
         <p:spPr>
           <a:xfrm>
             <a:off x="2916000" y="287640"/>
-            <a:ext cx="5039280" cy="577080"/>
+            <a:ext cx="5038920" cy="577080"/>
           </a:xfrm>
           <a:prstGeom prst="rect">
             <a:avLst/>
@@ -14932,7 +14649,7 @@
         <p:spPr>
           <a:xfrm>
             <a:off x="2754000" y="4437000"/>
-            <a:ext cx="4570560" cy="367920"/>
+            <a:ext cx="4570200" cy="367560"/>
           </a:xfrm>
           <a:prstGeom prst="rect">
             <a:avLst/>
@@ -14979,7 +14696,7 @@
         </p:nvGraphicFramePr>
         <p:xfrm>
           <a:off x="426960" y="1556640"/>
-          <a:ext cx="8440920" cy="4215600"/>
+          <a:ext cx="8440920" cy="4214880"/>
         </p:xfrm>
         <a:graphic>
           <a:graphicData uri="http://schemas.openxmlformats.org/drawingml/2006/table">
@@ -16869,7 +16586,7 @@
         <p:spPr>
           <a:xfrm>
             <a:off x="0" y="-3960"/>
-            <a:ext cx="9145800" cy="6449040"/>
+            <a:ext cx="9145440" cy="6448680"/>
           </a:xfrm>
           <a:prstGeom prst="rect">
             <a:avLst/>
@@ -16888,7 +16605,7 @@
         <p:spPr>
           <a:xfrm>
             <a:off x="1187280" y="2060640"/>
-            <a:ext cx="6767640" cy="3527640"/>
+            <a:ext cx="6767280" cy="3527280"/>
           </a:xfrm>
           <a:prstGeom prst="rect">
             <a:avLst/>
@@ -16936,7 +16653,7 @@
         <p:spPr>
           <a:xfrm>
             <a:off x="755640" y="3051000"/>
-            <a:ext cx="183240" cy="367920"/>
+            <a:ext cx="182880" cy="367560"/>
           </a:xfrm>
           <a:prstGeom prst="rect">
             <a:avLst/>
@@ -16981,7 +16698,7 @@
         <p:spPr>
           <a:xfrm>
             <a:off x="3204000" y="258120"/>
-            <a:ext cx="3022920" cy="577080"/>
+            <a:ext cx="3022560" cy="577080"/>
           </a:xfrm>
           <a:prstGeom prst="rect">
             <a:avLst/>
@@ -17038,7 +16755,7 @@
         <p:spPr>
           <a:xfrm>
             <a:off x="2754000" y="4437000"/>
-            <a:ext cx="4570560" cy="367920"/>
+            <a:ext cx="4570200" cy="367560"/>
           </a:xfrm>
           <a:prstGeom prst="rect">
             <a:avLst/>
@@ -17086,7 +16803,7 @@
         <p:spPr>
           <a:xfrm>
             <a:off x="172440" y="2421000"/>
-            <a:ext cx="8646480" cy="2602440"/>
+            <a:ext cx="8646120" cy="2602440"/>
           </a:xfrm>
           <a:prstGeom prst="rect">
             <a:avLst/>
@@ -17173,7 +16890,7 @@
         <p:spPr>
           <a:xfrm>
             <a:off x="323640" y="1268640"/>
-            <a:ext cx="8660880" cy="1186920"/>
+            <a:ext cx="8660520" cy="1186920"/>
           </a:xfrm>
           <a:prstGeom prst="rect">
             <a:avLst/>
